--- a/bimbingan/Bimbingan 1.pptx
+++ b/bimbingan/Bimbingan 1.pptx
@@ -5,17 +5,19 @@
     <p:sldMasterId id="2147483648" r:id="rId4"/>
   </p:sldMasterIdLst>
   <p:notesMasterIdLst>
-    <p:notesMasterId r:id="rId13"/>
+    <p:notesMasterId r:id="rId15"/>
   </p:notesMasterIdLst>
   <p:sldIdLst>
     <p:sldId id="284" r:id="rId5"/>
     <p:sldId id="286" r:id="rId6"/>
     <p:sldId id="279" r:id="rId7"/>
-    <p:sldId id="282" r:id="rId8"/>
-    <p:sldId id="283" r:id="rId9"/>
-    <p:sldId id="280" r:id="rId10"/>
-    <p:sldId id="278" r:id="rId11"/>
-    <p:sldId id="275" r:id="rId12"/>
+    <p:sldId id="291" r:id="rId8"/>
+    <p:sldId id="290" r:id="rId9"/>
+    <p:sldId id="282" r:id="rId10"/>
+    <p:sldId id="293" r:id="rId11"/>
+    <p:sldId id="292" r:id="rId12"/>
+    <p:sldId id="294" r:id="rId13"/>
+    <p:sldId id="275" r:id="rId14"/>
   </p:sldIdLst>
   <p:sldSz cx="12192000" cy="6858000"/>
   <p:notesSz cx="6858000" cy="9144000"/>
@@ -216,7 +218,7 @@
           <a:p>
             <a:fld id="{7487ADD9-2083-264C-A652-8D52D02F7E72}" type="datetimeFigureOut">
               <a:rPr lang="en-US" smtClean="0"/>
-              <a:t>10/5/2023</a:t>
+              <a:t>11/20/2023</a:t>
             </a:fld>
             <a:endParaRPr lang="en-US" dirty="0"/>
           </a:p>
@@ -1873,7 +1875,7 @@
             <a:fld id="{5F02DCD1-2C6B-F948-9F72-3BB0CF3D512E}" type="datetime1">
               <a:rPr lang="en-US" smtClean="0"/>
               <a:pPr/>
-              <a:t>10/5/2023</a:t>
+              <a:t>11/20/2023</a:t>
             </a:fld>
             <a:endParaRPr lang="en-US" dirty="0"/>
           </a:p>
@@ -2758,7 +2760,7 @@
             <a:fld id="{C1583C39-01BF-7F43-854C-FBB4E9AB6B0C}" type="datetime1">
               <a:rPr lang="en-US" smtClean="0"/>
               <a:pPr/>
-              <a:t>10/5/2023</a:t>
+              <a:t>11/20/2023</a:t>
             </a:fld>
             <a:endParaRPr lang="en-US" dirty="0"/>
           </a:p>
@@ -3935,7 +3937,7 @@
             <a:fld id="{4B103E64-1627-9140-8127-1849FED275E1}" type="datetime1">
               <a:rPr lang="en-US" smtClean="0"/>
               <a:pPr/>
-              <a:t>10/5/2023</a:t>
+              <a:t>11/20/2023</a:t>
             </a:fld>
             <a:endParaRPr lang="en-US" dirty="0"/>
           </a:p>
@@ -6015,7 +6017,7 @@
             <a:fld id="{DD9C8446-696E-6942-B6C8-CC9CAD0B34E0}" type="datetime1">
               <a:rPr lang="en-US" smtClean="0"/>
               <a:pPr/>
-              <a:t>10/5/2023</a:t>
+              <a:t>11/20/2023</a:t>
             </a:fld>
             <a:endParaRPr lang="en-US" dirty="0"/>
           </a:p>
@@ -6733,7 +6735,7 @@
             <a:fld id="{F5592931-05C6-8543-8B6E-A8BD29BD5C2B}" type="datetime1">
               <a:rPr lang="en-US" smtClean="0"/>
               <a:pPr/>
-              <a:t>10/5/2023</a:t>
+              <a:t>11/20/2023</a:t>
             </a:fld>
             <a:endParaRPr lang="en-US" dirty="0"/>
           </a:p>
@@ -7961,7 +7963,7 @@
             <a:fld id="{7E7AB22C-8B7E-9B4A-8C65-396C3C874D86}" type="datetime1">
               <a:rPr lang="en-US" smtClean="0"/>
               <a:pPr/>
-              <a:t>10/5/2023</a:t>
+              <a:t>11/20/2023</a:t>
             </a:fld>
             <a:endParaRPr lang="en-US" dirty="0"/>
           </a:p>
@@ -8553,7 +8555,7 @@
             <a:fld id="{8CE9AC2A-20AD-8C48-B5EB-B5322BDBCDEE}" type="datetime1">
               <a:rPr lang="en-US" smtClean="0"/>
               <a:pPr/>
-              <a:t>10/5/2023</a:t>
+              <a:t>11/20/2023</a:t>
             </a:fld>
             <a:endParaRPr lang="en-US" dirty="0"/>
           </a:p>
@@ -9026,7 +9028,7 @@
             <a:fld id="{4CF75428-5BE0-934D-BB71-675F8E23A386}" type="datetime1">
               <a:rPr lang="en-US" smtClean="0"/>
               <a:pPr/>
-              <a:t>10/5/2023</a:t>
+              <a:t>11/20/2023</a:t>
             </a:fld>
             <a:endParaRPr lang="en-US" dirty="0"/>
           </a:p>
@@ -9876,7 +9878,7 @@
             <a:fld id="{9A85C5CA-AE29-AB4C-8F85-0373C72001D8}" type="datetime1">
               <a:rPr lang="en-US" smtClean="0"/>
               <a:pPr/>
-              <a:t>10/5/2023</a:t>
+              <a:t>11/20/2023</a:t>
             </a:fld>
             <a:endParaRPr lang="en-US" dirty="0"/>
           </a:p>
@@ -12101,7 +12103,7 @@
             <a:fld id="{75594855-01E8-5A4B-B2B8-E2ECEF879100}" type="datetime1">
               <a:rPr lang="en-US" smtClean="0"/>
               <a:pPr/>
-              <a:t>10/5/2023</a:t>
+              <a:t>11/20/2023</a:t>
             </a:fld>
             <a:endParaRPr lang="en-US" dirty="0"/>
           </a:p>
@@ -12370,7 +12372,7 @@
             <a:fld id="{B562DF68-3089-814D-8A14-C651FE91885E}" type="datetime1">
               <a:rPr lang="en-US" smtClean="0"/>
               <a:pPr/>
-              <a:t>10/5/2023</a:t>
+              <a:t>11/20/2023</a:t>
             </a:fld>
             <a:endParaRPr lang="en-US" dirty="0"/>
           </a:p>
@@ -12929,6 +12931,94 @@
 </p:sld>
 </file>
 
+<file path=ppt/slides/slide10.xml><?xml version="1.0" encoding="utf-8"?>
+<p:sld xmlns:a="http://schemas.openxmlformats.org/drawingml/2006/main" xmlns:r="http://schemas.openxmlformats.org/officeDocument/2006/relationships" xmlns:p="http://schemas.openxmlformats.org/presentationml/2006/main">
+  <p:cSld>
+    <p:spTree>
+      <p:nvGrpSpPr>
+        <p:cNvPr id="1" name=""/>
+        <p:cNvGrpSpPr/>
+        <p:nvPr/>
+      </p:nvGrpSpPr>
+      <p:grpSpPr>
+        <a:xfrm>
+          <a:off x="0" y="0"/>
+          <a:ext cx="0" cy="0"/>
+          <a:chOff x="0" y="0"/>
+          <a:chExt cx="0" cy="0"/>
+        </a:xfrm>
+      </p:grpSpPr>
+      <p:sp>
+        <p:nvSpPr>
+          <p:cNvPr id="2" name="Title 1">
+            <a:extLst>
+              <a:ext uri="{FF2B5EF4-FFF2-40B4-BE49-F238E27FC236}">
+                <a16:creationId xmlns:a16="http://schemas.microsoft.com/office/drawing/2014/main" id="{69FAE308-3076-43DB-B834-DA0B0AE19AF9}"/>
+              </a:ext>
+            </a:extLst>
+          </p:cNvPr>
+          <p:cNvSpPr>
+            <a:spLocks noGrp="1"/>
+          </p:cNvSpPr>
+          <p:nvPr>
+            <p:ph type="ctrTitle"/>
+          </p:nvPr>
+        </p:nvSpPr>
+        <p:spPr>
+          <a:xfrm>
+            <a:off x="1167494" y="1122363"/>
+            <a:ext cx="6220278" cy="2387600"/>
+          </a:xfrm>
+        </p:spPr>
+        <p:txBody>
+          <a:bodyPr/>
+          <a:lstStyle/>
+          <a:p>
+            <a:r>
+              <a:rPr lang="en-US" dirty="0"/>
+              <a:t>Thank you</a:t>
+            </a:r>
+          </a:p>
+        </p:txBody>
+      </p:sp>
+      <p:sp>
+        <p:nvSpPr>
+          <p:cNvPr id="5" name="Subtitle 4">
+            <a:extLst>
+              <a:ext uri="{FF2B5EF4-FFF2-40B4-BE49-F238E27FC236}">
+                <a16:creationId xmlns:a16="http://schemas.microsoft.com/office/drawing/2014/main" id="{FEEE2690-1419-9A74-7A62-24A40F2177A5}"/>
+              </a:ext>
+            </a:extLst>
+          </p:cNvPr>
+          <p:cNvSpPr>
+            <a:spLocks noGrp="1"/>
+          </p:cNvSpPr>
+          <p:nvPr>
+            <p:ph type="subTitle" idx="1"/>
+          </p:nvPr>
+        </p:nvSpPr>
+        <p:spPr/>
+        <p:txBody>
+          <a:bodyPr/>
+          <a:lstStyle/>
+          <a:p>
+            <a:endParaRPr lang="en-ID"/>
+          </a:p>
+        </p:txBody>
+      </p:sp>
+    </p:spTree>
+    <p:extLst>
+      <p:ext uri="{BB962C8B-B14F-4D97-AF65-F5344CB8AC3E}">
+        <p14:creationId xmlns:p14="http://schemas.microsoft.com/office/powerpoint/2010/main" val="926184573"/>
+      </p:ext>
+    </p:extLst>
+  </p:cSld>
+  <p:clrMapOvr>
+    <a:masterClrMapping/>
+  </p:clrMapOvr>
+</p:sld>
+</file>
+
 <file path=ppt/slides/slide2.xml><?xml version="1.0" encoding="utf-8"?>
 <p:sld xmlns:a="http://schemas.openxmlformats.org/drawingml/2006/main" xmlns:r="http://schemas.openxmlformats.org/officeDocument/2006/relationships" xmlns:p="http://schemas.openxmlformats.org/presentationml/2006/main">
   <p:cSld>
@@ -13788,7 +13878,7 @@
           <a:p>
             <a:r>
               <a:rPr lang="en-US" dirty="0"/>
-              <a:t>ORPHAN NODE</a:t>
+              <a:t>DISADVANTAGES OF LEACH</a:t>
             </a:r>
             <a:endParaRPr lang="en-ID" dirty="0"/>
           </a:p>
@@ -13818,7 +13908,7 @@
             <a:fld id="{DD9C8446-696E-6942-B6C8-CC9CAD0B34E0}" type="datetime1">
               <a:rPr lang="en-US" smtClean="0"/>
               <a:pPr/>
-              <a:t>10/5/2023</a:t>
+              <a:t>11/20/2023</a:t>
             </a:fld>
             <a:endParaRPr lang="en-US" dirty="0"/>
           </a:p>
@@ -13885,10 +13975,10 @@
       </p:sp>
       <p:pic>
         <p:nvPicPr>
-          <p:cNvPr id="3" name="Picture 2">
-            <a:extLst>
-              <a:ext uri="{FF2B5EF4-FFF2-40B4-BE49-F238E27FC236}">
-                <a16:creationId xmlns:a16="http://schemas.microsoft.com/office/drawing/2014/main" id="{A0BBB4FE-0F5C-F01C-9123-790DE5A1ACCB}"/>
+          <p:cNvPr id="9" name="Picture 8">
+            <a:extLst>
+              <a:ext uri="{FF2B5EF4-FFF2-40B4-BE49-F238E27FC236}">
+                <a16:creationId xmlns:a16="http://schemas.microsoft.com/office/drawing/2014/main" id="{5D09B6A7-EFFD-3E1C-5AC2-0A9304568B7B}"/>
               </a:ext>
             </a:extLst>
           </p:cNvPr>
@@ -13905,8 +13995,8 @@
         </p:blipFill>
         <p:spPr>
           <a:xfrm>
-            <a:off x="1167492" y="2185851"/>
-            <a:ext cx="4968423" cy="2875189"/>
+            <a:off x="5902296" y="2155370"/>
+            <a:ext cx="4976737" cy="2880000"/>
           </a:xfrm>
           <a:prstGeom prst="rect">
             <a:avLst/>
@@ -13915,10 +14005,10 @@
       </p:pic>
       <p:pic>
         <p:nvPicPr>
-          <p:cNvPr id="7" name="Picture 6">
-            <a:extLst>
-              <a:ext uri="{FF2B5EF4-FFF2-40B4-BE49-F238E27FC236}">
-                <a16:creationId xmlns:a16="http://schemas.microsoft.com/office/drawing/2014/main" id="{1665FE08-7A4C-56B6-8FB8-B4BC120D5CBB}"/>
+          <p:cNvPr id="11" name="Picture 10">
+            <a:extLst>
+              <a:ext uri="{FF2B5EF4-FFF2-40B4-BE49-F238E27FC236}">
+                <a16:creationId xmlns:a16="http://schemas.microsoft.com/office/drawing/2014/main" id="{530606F1-1848-CBD9-F959-565AA9969F87}"/>
               </a:ext>
             </a:extLst>
           </p:cNvPr>
@@ -13935,8 +14025,8 @@
         </p:blipFill>
         <p:spPr>
           <a:xfrm>
-            <a:off x="6205129" y="2185851"/>
-            <a:ext cx="5046346" cy="2920282"/>
+            <a:off x="925559" y="2155370"/>
+            <a:ext cx="4976737" cy="2880000"/>
           </a:xfrm>
           <a:prstGeom prst="rect">
             <a:avLst/>
@@ -13978,7 +14068,7 @@
           <p:cNvPr id="2" name="Title 1">
             <a:extLst>
               <a:ext uri="{FF2B5EF4-FFF2-40B4-BE49-F238E27FC236}">
-                <a16:creationId xmlns:a16="http://schemas.microsoft.com/office/drawing/2014/main" id="{F4A3B13E-8055-B30E-84BA-F4A5285D0922}"/>
+                <a16:creationId xmlns:a16="http://schemas.microsoft.com/office/drawing/2014/main" id="{7399AF58-0B1B-D4ED-11BC-D11523B5101A}"/>
               </a:ext>
             </a:extLst>
           </p:cNvPr>
@@ -13996,7 +14086,7 @@
           <a:p>
             <a:r>
               <a:rPr lang="en-US" dirty="0"/>
-              <a:t>STATE OF THE ART</a:t>
+              <a:t>PARAMETER OF LEACH</a:t>
             </a:r>
             <a:endParaRPr lang="en-ID" dirty="0"/>
           </a:p>
@@ -14004,35 +14094,10 @@
       </p:sp>
       <p:sp>
         <p:nvSpPr>
-          <p:cNvPr id="3" name="Content Placeholder 2">
-            <a:extLst>
-              <a:ext uri="{FF2B5EF4-FFF2-40B4-BE49-F238E27FC236}">
-                <a16:creationId xmlns:a16="http://schemas.microsoft.com/office/drawing/2014/main" id="{313682A6-1A02-5004-4663-F5E61AB047A5}"/>
-              </a:ext>
-            </a:extLst>
-          </p:cNvPr>
-          <p:cNvSpPr>
-            <a:spLocks noGrp="1"/>
-          </p:cNvSpPr>
-          <p:nvPr>
-            <p:ph idx="1"/>
-          </p:nvPr>
-        </p:nvSpPr>
-        <p:spPr/>
-        <p:txBody>
-          <a:bodyPr/>
-          <a:lstStyle/>
-          <a:p>
-            <a:endParaRPr lang="en-ID"/>
-          </a:p>
-        </p:txBody>
-      </p:sp>
-      <p:sp>
-        <p:nvSpPr>
           <p:cNvPr id="4" name="Date Placeholder 3">
             <a:extLst>
               <a:ext uri="{FF2B5EF4-FFF2-40B4-BE49-F238E27FC236}">
-                <a16:creationId xmlns:a16="http://schemas.microsoft.com/office/drawing/2014/main" id="{D5E3EA8E-4711-61DC-5FAB-404B31DC2559}"/>
+                <a16:creationId xmlns:a16="http://schemas.microsoft.com/office/drawing/2014/main" id="{E19F906E-3B91-3128-158A-6D73EDCD954F}"/>
               </a:ext>
             </a:extLst>
           </p:cNvPr>
@@ -14051,7 +14116,7 @@
             <a:fld id="{DD9C8446-696E-6942-B6C8-CC9CAD0B34E0}" type="datetime1">
               <a:rPr lang="en-US" smtClean="0"/>
               <a:pPr/>
-              <a:t>10/5/2023</a:t>
+              <a:t>11/20/2023</a:t>
             </a:fld>
             <a:endParaRPr lang="en-US" dirty="0"/>
           </a:p>
@@ -14062,7 +14127,7 @@
           <p:cNvPr id="5" name="Footer Placeholder 4">
             <a:extLst>
               <a:ext uri="{FF2B5EF4-FFF2-40B4-BE49-F238E27FC236}">
-                <a16:creationId xmlns:a16="http://schemas.microsoft.com/office/drawing/2014/main" id="{477722C3-57EB-9ADA-7682-40CC4642D530}"/>
+                <a16:creationId xmlns:a16="http://schemas.microsoft.com/office/drawing/2014/main" id="{842AE9D8-FC38-065E-FAF2-60EA5D7096AA}"/>
               </a:ext>
             </a:extLst>
           </p:cNvPr>
@@ -14091,7 +14156,7 @@
           <p:cNvPr id="6" name="Slide Number Placeholder 5">
             <a:extLst>
               <a:ext uri="{FF2B5EF4-FFF2-40B4-BE49-F238E27FC236}">
-                <a16:creationId xmlns:a16="http://schemas.microsoft.com/office/drawing/2014/main" id="{C4ADC834-F6FF-4001-56E0-15BD344519C2}"/>
+                <a16:creationId xmlns:a16="http://schemas.microsoft.com/office/drawing/2014/main" id="{DDD415ED-1357-1689-1DE5-FDA6CA8CF6A6}"/>
               </a:ext>
             </a:extLst>
           </p:cNvPr>
@@ -14116,10 +14181,1479 @@
           </a:p>
         </p:txBody>
       </p:sp>
+      <p:graphicFrame>
+        <p:nvGraphicFramePr>
+          <p:cNvPr id="3" name="Table 2">
+            <a:extLst>
+              <a:ext uri="{FF2B5EF4-FFF2-40B4-BE49-F238E27FC236}">
+                <a16:creationId xmlns:a16="http://schemas.microsoft.com/office/drawing/2014/main" id="{85287C88-2BCA-875A-30EF-540C697678A1}"/>
+              </a:ext>
+            </a:extLst>
+          </p:cNvPr>
+          <p:cNvGraphicFramePr>
+            <a:graphicFrameLocks noGrp="1"/>
+          </p:cNvGraphicFramePr>
+          <p:nvPr>
+            <p:extLst>
+              <p:ext uri="{D42A27DB-BD31-4B8C-83A1-F6EECF244321}">
+                <p14:modId xmlns:p14="http://schemas.microsoft.com/office/powerpoint/2010/main" val="3197250935"/>
+              </p:ext>
+            </p:extLst>
+          </p:nvPr>
+        </p:nvGraphicFramePr>
+        <p:xfrm>
+          <a:off x="1167492" y="2034272"/>
+          <a:ext cx="3352257" cy="2279097"/>
+        </p:xfrm>
+        <a:graphic>
+          <a:graphicData uri="http://schemas.openxmlformats.org/drawingml/2006/table">
+            <a:tbl>
+              <a:tblPr firstRow="1" firstCol="1" bandRow="1"/>
+              <a:tblGrid>
+                <a:gridCol w="2019845">
+                  <a:extLst>
+                    <a:ext uri="{9D8B030D-6E8A-4147-A177-3AD203B41FA5}">
+                      <a16:colId xmlns:a16="http://schemas.microsoft.com/office/drawing/2014/main" val="1977053236"/>
+                    </a:ext>
+                  </a:extLst>
+                </a:gridCol>
+                <a:gridCol w="1332412">
+                  <a:extLst>
+                    <a:ext uri="{9D8B030D-6E8A-4147-A177-3AD203B41FA5}">
+                      <a16:colId xmlns:a16="http://schemas.microsoft.com/office/drawing/2014/main" val="3076166232"/>
+                    </a:ext>
+                  </a:extLst>
+                </a:gridCol>
+              </a:tblGrid>
+              <a:tr h="210075">
+                <a:tc>
+                  <a:txBody>
+                    <a:bodyPr/>
+                    <a:lstStyle/>
+                    <a:p>
+                      <a:pPr algn="just">
+                        <a:lnSpc>
+                          <a:spcPct val="114000"/>
+                        </a:lnSpc>
+                      </a:pPr>
+                      <a:r>
+                        <a:rPr lang="en-US" sz="1000" dirty="0">
+                          <a:effectLst/>
+                          <a:latin typeface="+mj-lt"/>
+                          <a:ea typeface="Times New Roman" panose="02020603050405020304" pitchFamily="18" charset="0"/>
+                        </a:rPr>
+                        <a:t>Parameter</a:t>
+                      </a:r>
+                      <a:endParaRPr lang="en-ID" sz="1000" dirty="0">
+                        <a:effectLst/>
+                        <a:latin typeface="+mj-lt"/>
+                        <a:ea typeface="Times New Roman" panose="02020603050405020304" pitchFamily="18" charset="0"/>
+                      </a:endParaRPr>
+                    </a:p>
+                  </a:txBody>
+                  <a:tcPr marL="68580" marR="68580" marT="0" marB="0" anchor="ctr">
+                    <a:lnL>
+                      <a:noFill/>
+                    </a:lnL>
+                    <a:lnR>
+                      <a:noFill/>
+                    </a:lnR>
+                    <a:lnT w="12700" cap="flat" cmpd="sng" algn="ctr">
+                      <a:solidFill>
+                        <a:srgbClr val="000000"/>
+                      </a:solidFill>
+                      <a:prstDash val="solid"/>
+                      <a:round/>
+                      <a:headEnd type="none" w="med" len="med"/>
+                      <a:tailEnd type="none" w="med" len="med"/>
+                    </a:lnT>
+                    <a:lnB w="12700" cap="flat" cmpd="sng" algn="ctr">
+                      <a:solidFill>
+                        <a:srgbClr val="000000"/>
+                      </a:solidFill>
+                      <a:prstDash val="solid"/>
+                      <a:round/>
+                      <a:headEnd type="none" w="med" len="med"/>
+                      <a:tailEnd type="none" w="med" len="med"/>
+                    </a:lnB>
+                  </a:tcPr>
+                </a:tc>
+                <a:tc>
+                  <a:txBody>
+                    <a:bodyPr/>
+                    <a:lstStyle/>
+                    <a:p>
+                      <a:pPr algn="ctr">
+                        <a:lnSpc>
+                          <a:spcPct val="114000"/>
+                        </a:lnSpc>
+                      </a:pPr>
+                      <a:r>
+                        <a:rPr lang="en-US" sz="1000" dirty="0">
+                          <a:effectLst/>
+                          <a:latin typeface="+mj-lt"/>
+                          <a:ea typeface="Times New Roman" panose="02020603050405020304" pitchFamily="18" charset="0"/>
+                        </a:rPr>
+                        <a:t>Value</a:t>
+                      </a:r>
+                      <a:endParaRPr lang="en-ID" sz="1000" dirty="0">
+                        <a:effectLst/>
+                        <a:latin typeface="+mj-lt"/>
+                        <a:ea typeface="Times New Roman" panose="02020603050405020304" pitchFamily="18" charset="0"/>
+                      </a:endParaRPr>
+                    </a:p>
+                  </a:txBody>
+                  <a:tcPr marL="68580" marR="68580" marT="0" marB="0" anchor="ctr">
+                    <a:lnL>
+                      <a:noFill/>
+                    </a:lnL>
+                    <a:lnR>
+                      <a:noFill/>
+                    </a:lnR>
+                    <a:lnT w="12700" cap="flat" cmpd="sng" algn="ctr">
+                      <a:solidFill>
+                        <a:srgbClr val="000000"/>
+                      </a:solidFill>
+                      <a:prstDash val="solid"/>
+                      <a:round/>
+                      <a:headEnd type="none" w="med" len="med"/>
+                      <a:tailEnd type="none" w="med" len="med"/>
+                    </a:lnT>
+                    <a:lnB w="12700" cap="flat" cmpd="sng" algn="ctr">
+                      <a:solidFill>
+                        <a:srgbClr val="000000"/>
+                      </a:solidFill>
+                      <a:prstDash val="solid"/>
+                      <a:round/>
+                      <a:headEnd type="none" w="med" len="med"/>
+                      <a:tailEnd type="none" w="med" len="med"/>
+                    </a:lnB>
+                  </a:tcPr>
+                </a:tc>
+                <a:extLst>
+                  <a:ext uri="{0D108BD9-81ED-4DB2-BD59-A6C34878D82A}">
+                    <a16:rowId xmlns:a16="http://schemas.microsoft.com/office/drawing/2014/main" val="1591911128"/>
+                  </a:ext>
+                </a:extLst>
+              </a:tr>
+              <a:tr h="110689">
+                <a:tc>
+                  <a:txBody>
+                    <a:bodyPr/>
+                    <a:lstStyle/>
+                    <a:p>
+                      <a:pPr algn="just">
+                        <a:lnSpc>
+                          <a:spcPct val="114000"/>
+                        </a:lnSpc>
+                      </a:pPr>
+                      <a:r>
+                        <a:rPr lang="en-ID" sz="1000" dirty="0"/>
+                        <a:t>Network area </a:t>
+                      </a:r>
+                      <a:endParaRPr lang="en-ID" sz="1000" dirty="0">
+                        <a:effectLst/>
+                        <a:latin typeface="+mj-lt"/>
+                        <a:ea typeface="Times New Roman" panose="02020603050405020304" pitchFamily="18" charset="0"/>
+                      </a:endParaRPr>
+                    </a:p>
+                  </a:txBody>
+                  <a:tcPr marL="68580" marR="68580" marT="0" marB="0" anchor="ctr">
+                    <a:lnL>
+                      <a:noFill/>
+                    </a:lnL>
+                    <a:lnR>
+                      <a:noFill/>
+                    </a:lnR>
+                    <a:lnT w="12700" cap="flat" cmpd="sng" algn="ctr">
+                      <a:solidFill>
+                        <a:srgbClr val="000000"/>
+                      </a:solidFill>
+                      <a:prstDash val="solid"/>
+                      <a:round/>
+                      <a:headEnd type="none" w="med" len="med"/>
+                      <a:tailEnd type="none" w="med" len="med"/>
+                    </a:lnT>
+                    <a:lnB>
+                      <a:noFill/>
+                    </a:lnB>
+                  </a:tcPr>
+                </a:tc>
+                <a:tc>
+                  <a:txBody>
+                    <a:bodyPr/>
+                    <a:lstStyle/>
+                    <a:p>
+                      <a:pPr algn="ctr">
+                        <a:lnSpc>
+                          <a:spcPct val="114000"/>
+                        </a:lnSpc>
+                      </a:pPr>
+                      <a:r>
+                        <a:rPr lang="en-US" sz="1000" dirty="0">
+                          <a:effectLst/>
+                          <a:latin typeface="+mj-lt"/>
+                          <a:ea typeface="Times New Roman" panose="02020603050405020304" pitchFamily="18" charset="0"/>
+                        </a:rPr>
+                        <a:t>100 m</a:t>
+                      </a:r>
+                      <a:endParaRPr lang="en-ID" sz="1000" dirty="0">
+                        <a:effectLst/>
+                        <a:latin typeface="+mj-lt"/>
+                        <a:ea typeface="Times New Roman" panose="02020603050405020304" pitchFamily="18" charset="0"/>
+                      </a:endParaRPr>
+                    </a:p>
+                  </a:txBody>
+                  <a:tcPr marL="68580" marR="68580" marT="0" marB="0" anchor="ctr">
+                    <a:lnL>
+                      <a:noFill/>
+                    </a:lnL>
+                    <a:lnR>
+                      <a:noFill/>
+                    </a:lnR>
+                    <a:lnT w="12700" cap="flat" cmpd="sng" algn="ctr">
+                      <a:solidFill>
+                        <a:srgbClr val="000000"/>
+                      </a:solidFill>
+                      <a:prstDash val="solid"/>
+                      <a:round/>
+                      <a:headEnd type="none" w="med" len="med"/>
+                      <a:tailEnd type="none" w="med" len="med"/>
+                    </a:lnT>
+                    <a:lnB>
+                      <a:noFill/>
+                    </a:lnB>
+                  </a:tcPr>
+                </a:tc>
+                <a:extLst>
+                  <a:ext uri="{0D108BD9-81ED-4DB2-BD59-A6C34878D82A}">
+                    <a16:rowId xmlns:a16="http://schemas.microsoft.com/office/drawing/2014/main" val="1997795085"/>
+                  </a:ext>
+                </a:extLst>
+              </a:tr>
+              <a:tr h="188454">
+                <a:tc>
+                  <a:txBody>
+                    <a:bodyPr/>
+                    <a:lstStyle/>
+                    <a:p>
+                      <a:pPr algn="just">
+                        <a:lnSpc>
+                          <a:spcPct val="114000"/>
+                        </a:lnSpc>
+                      </a:pPr>
+                      <a:r>
+                        <a:rPr lang="en-US" sz="1000" dirty="0">
+                          <a:effectLst/>
+                          <a:latin typeface="+mj-lt"/>
+                          <a:ea typeface="Times New Roman" panose="02020603050405020304" pitchFamily="18" charset="0"/>
+                        </a:rPr>
+                        <a:t>Number of nodes</a:t>
+                      </a:r>
+                      <a:endParaRPr lang="en-ID" sz="1000" dirty="0">
+                        <a:effectLst/>
+                        <a:latin typeface="+mj-lt"/>
+                        <a:ea typeface="Times New Roman" panose="02020603050405020304" pitchFamily="18" charset="0"/>
+                      </a:endParaRPr>
+                    </a:p>
+                  </a:txBody>
+                  <a:tcPr marL="68580" marR="68580" marT="0" marB="0" anchor="ctr">
+                    <a:lnL>
+                      <a:noFill/>
+                    </a:lnL>
+                    <a:lnR>
+                      <a:noFill/>
+                    </a:lnR>
+                    <a:lnT w="12700" cap="flat" cmpd="sng" algn="ctr">
+                      <a:noFill/>
+                      <a:prstDash val="solid"/>
+                      <a:round/>
+                      <a:headEnd type="none" w="med" len="med"/>
+                      <a:tailEnd type="none" w="med" len="med"/>
+                    </a:lnT>
+                    <a:lnB>
+                      <a:noFill/>
+                    </a:lnB>
+                  </a:tcPr>
+                </a:tc>
+                <a:tc>
+                  <a:txBody>
+                    <a:bodyPr/>
+                    <a:lstStyle/>
+                    <a:p>
+                      <a:pPr algn="ctr">
+                        <a:lnSpc>
+                          <a:spcPct val="114000"/>
+                        </a:lnSpc>
+                      </a:pPr>
+                      <a:r>
+                        <a:rPr lang="en-US" sz="1000" dirty="0">
+                          <a:effectLst/>
+                          <a:latin typeface="+mj-lt"/>
+                          <a:ea typeface="Times New Roman" panose="02020603050405020304" pitchFamily="18" charset="0"/>
+                        </a:rPr>
+                        <a:t>100</a:t>
+                      </a:r>
+                      <a:endParaRPr lang="en-ID" sz="1000" dirty="0">
+                        <a:effectLst/>
+                        <a:latin typeface="+mj-lt"/>
+                        <a:ea typeface="Times New Roman" panose="02020603050405020304" pitchFamily="18" charset="0"/>
+                      </a:endParaRPr>
+                    </a:p>
+                  </a:txBody>
+                  <a:tcPr marL="68580" marR="68580" marT="0" marB="0" anchor="ctr">
+                    <a:lnL>
+                      <a:noFill/>
+                    </a:lnL>
+                    <a:lnR>
+                      <a:noFill/>
+                    </a:lnR>
+                    <a:lnT w="12700" cap="flat" cmpd="sng" algn="ctr">
+                      <a:noFill/>
+                      <a:prstDash val="solid"/>
+                      <a:round/>
+                      <a:headEnd type="none" w="med" len="med"/>
+                      <a:tailEnd type="none" w="med" len="med"/>
+                    </a:lnT>
+                    <a:lnB>
+                      <a:noFill/>
+                    </a:lnB>
+                  </a:tcPr>
+                </a:tc>
+                <a:extLst>
+                  <a:ext uri="{0D108BD9-81ED-4DB2-BD59-A6C34878D82A}">
+                    <a16:rowId xmlns:a16="http://schemas.microsoft.com/office/drawing/2014/main" val="3109623291"/>
+                  </a:ext>
+                </a:extLst>
+              </a:tr>
+              <a:tr h="188454">
+                <a:tc>
+                  <a:txBody>
+                    <a:bodyPr/>
+                    <a:lstStyle/>
+                    <a:p>
+                      <a:pPr algn="just">
+                        <a:lnSpc>
+                          <a:spcPct val="114000"/>
+                        </a:lnSpc>
+                      </a:pPr>
+                      <a:r>
+                        <a:rPr lang="en-ID" sz="1000" dirty="0"/>
+                        <a:t>Initial node energy</a:t>
+                      </a:r>
+                      <a:endParaRPr lang="en-ID" sz="1000" dirty="0">
+                        <a:effectLst/>
+                        <a:latin typeface="+mj-lt"/>
+                        <a:ea typeface="Times New Roman" panose="02020603050405020304" pitchFamily="18" charset="0"/>
+                      </a:endParaRPr>
+                    </a:p>
+                  </a:txBody>
+                  <a:tcPr marL="68580" marR="68580" marT="0" marB="0" anchor="ctr">
+                    <a:lnL>
+                      <a:noFill/>
+                    </a:lnL>
+                    <a:lnR>
+                      <a:noFill/>
+                    </a:lnR>
+                    <a:lnT w="12700" cap="flat" cmpd="sng" algn="ctr">
+                      <a:noFill/>
+                      <a:prstDash val="solid"/>
+                      <a:round/>
+                      <a:headEnd type="none" w="med" len="med"/>
+                      <a:tailEnd type="none" w="med" len="med"/>
+                    </a:lnT>
+                    <a:lnB>
+                      <a:noFill/>
+                    </a:lnB>
+                  </a:tcPr>
+                </a:tc>
+                <a:tc>
+                  <a:txBody>
+                    <a:bodyPr/>
+                    <a:lstStyle/>
+                    <a:p>
+                      <a:pPr algn="ctr">
+                        <a:lnSpc>
+                          <a:spcPct val="114000"/>
+                        </a:lnSpc>
+                      </a:pPr>
+                      <a:r>
+                        <a:rPr lang="en-US" sz="1000" dirty="0">
+                          <a:effectLst/>
+                          <a:latin typeface="+mj-lt"/>
+                          <a:ea typeface="Times New Roman" panose="02020603050405020304" pitchFamily="18" charset="0"/>
+                        </a:rPr>
+                        <a:t>0,05 J</a:t>
+                      </a:r>
+                      <a:endParaRPr lang="en-ID" sz="1000" dirty="0">
+                        <a:effectLst/>
+                        <a:latin typeface="+mj-lt"/>
+                        <a:ea typeface="Times New Roman" panose="02020603050405020304" pitchFamily="18" charset="0"/>
+                      </a:endParaRPr>
+                    </a:p>
+                  </a:txBody>
+                  <a:tcPr marL="68580" marR="68580" marT="0" marB="0" anchor="ctr">
+                    <a:lnL>
+                      <a:noFill/>
+                    </a:lnL>
+                    <a:lnR>
+                      <a:noFill/>
+                    </a:lnR>
+                    <a:lnT w="12700" cap="flat" cmpd="sng" algn="ctr">
+                      <a:noFill/>
+                      <a:prstDash val="solid"/>
+                      <a:round/>
+                      <a:headEnd type="none" w="med" len="med"/>
+                      <a:tailEnd type="none" w="med" len="med"/>
+                    </a:lnT>
+                    <a:lnB>
+                      <a:noFill/>
+                    </a:lnB>
+                  </a:tcPr>
+                </a:tc>
+                <a:extLst>
+                  <a:ext uri="{0D108BD9-81ED-4DB2-BD59-A6C34878D82A}">
+                    <a16:rowId xmlns:a16="http://schemas.microsoft.com/office/drawing/2014/main" val="4160999178"/>
+                  </a:ext>
+                </a:extLst>
+              </a:tr>
+              <a:tr h="110689">
+                <a:tc>
+                  <a:txBody>
+                    <a:bodyPr/>
+                    <a:lstStyle/>
+                    <a:p>
+                      <a:pPr marL="0" marR="0" lvl="0" indent="0" algn="just" defTabSz="914400" rtl="0" eaLnBrk="1" fontAlgn="auto" latinLnBrk="0" hangingPunct="1">
+                        <a:lnSpc>
+                          <a:spcPct val="114000"/>
+                        </a:lnSpc>
+                        <a:spcBef>
+                          <a:spcPts val="0"/>
+                        </a:spcBef>
+                        <a:spcAft>
+                          <a:spcPts val="0"/>
+                        </a:spcAft>
+                        <a:buClrTx/>
+                        <a:buSzTx/>
+                        <a:buFontTx/>
+                        <a:buNone/>
+                        <a:tabLst/>
+                        <a:defRPr/>
+                      </a:pPr>
+                      <a:r>
+                        <a:rPr lang="en-ID" sz="1000" dirty="0"/>
+                        <a:t>p</a:t>
+                      </a:r>
+                      <a:endParaRPr lang="en-ID" sz="1000" kern="1200" dirty="0">
+                        <a:solidFill>
+                          <a:schemeClr val="tx1"/>
+                        </a:solidFill>
+                        <a:effectLst/>
+                        <a:latin typeface="+mn-lt"/>
+                        <a:ea typeface="Times New Roman" panose="02020603050405020304" pitchFamily="18" charset="0"/>
+                        <a:cs typeface="+mn-cs"/>
+                      </a:endParaRPr>
+                    </a:p>
+                  </a:txBody>
+                  <a:tcPr marL="68580" marR="68580" marT="0" marB="0" anchor="ctr">
+                    <a:lnL>
+                      <a:noFill/>
+                    </a:lnL>
+                    <a:lnR>
+                      <a:noFill/>
+                    </a:lnR>
+                    <a:lnT w="12700" cap="flat" cmpd="sng" algn="ctr">
+                      <a:noFill/>
+                      <a:prstDash val="solid"/>
+                      <a:round/>
+                      <a:headEnd type="none" w="med" len="med"/>
+                      <a:tailEnd type="none" w="med" len="med"/>
+                    </a:lnT>
+                    <a:lnB>
+                      <a:noFill/>
+                    </a:lnB>
+                  </a:tcPr>
+                </a:tc>
+                <a:tc>
+                  <a:txBody>
+                    <a:bodyPr/>
+                    <a:lstStyle/>
+                    <a:p>
+                      <a:pPr algn="ctr">
+                        <a:lnSpc>
+                          <a:spcPct val="114000"/>
+                        </a:lnSpc>
+                      </a:pPr>
+                      <a:r>
+                        <a:rPr lang="en-US" sz="1000" dirty="0">
+                          <a:effectLst/>
+                          <a:latin typeface="+mj-lt"/>
+                          <a:ea typeface="Times New Roman" panose="02020603050405020304" pitchFamily="18" charset="0"/>
+                        </a:rPr>
+                        <a:t>0,05</a:t>
+                      </a:r>
+                      <a:endParaRPr lang="en-ID" sz="1000" dirty="0">
+                        <a:effectLst/>
+                        <a:latin typeface="+mj-lt"/>
+                        <a:ea typeface="Times New Roman" panose="02020603050405020304" pitchFamily="18" charset="0"/>
+                      </a:endParaRPr>
+                    </a:p>
+                  </a:txBody>
+                  <a:tcPr marL="68580" marR="68580" marT="0" marB="0" anchor="ctr">
+                    <a:lnL>
+                      <a:noFill/>
+                    </a:lnL>
+                    <a:lnR>
+                      <a:noFill/>
+                    </a:lnR>
+                    <a:lnT w="12700" cap="flat" cmpd="sng" algn="ctr">
+                      <a:noFill/>
+                      <a:prstDash val="solid"/>
+                      <a:round/>
+                      <a:headEnd type="none" w="med" len="med"/>
+                      <a:tailEnd type="none" w="med" len="med"/>
+                    </a:lnT>
+                    <a:lnB>
+                      <a:noFill/>
+                    </a:lnB>
+                  </a:tcPr>
+                </a:tc>
+                <a:extLst>
+                  <a:ext uri="{0D108BD9-81ED-4DB2-BD59-A6C34878D82A}">
+                    <a16:rowId xmlns:a16="http://schemas.microsoft.com/office/drawing/2014/main" val="2380687789"/>
+                  </a:ext>
+                </a:extLst>
+              </a:tr>
+              <a:tr h="188454">
+                <a:tc>
+                  <a:txBody>
+                    <a:bodyPr/>
+                    <a:lstStyle/>
+                    <a:p>
+                      <a:pPr algn="just">
+                        <a:lnSpc>
+                          <a:spcPct val="114000"/>
+                        </a:lnSpc>
+                      </a:pPr>
+                      <a:r>
+                        <a:rPr lang="en-ID" sz="1000" dirty="0"/>
+                        <a:t>Transmitting energy</a:t>
+                      </a:r>
+                      <a:endParaRPr lang="en-ID" sz="1000" dirty="0">
+                        <a:effectLst/>
+                        <a:latin typeface="+mj-lt"/>
+                        <a:ea typeface="Times New Roman" panose="02020603050405020304" pitchFamily="18" charset="0"/>
+                      </a:endParaRPr>
+                    </a:p>
+                  </a:txBody>
+                  <a:tcPr marL="68580" marR="68580" marT="0" marB="0" anchor="ctr">
+                    <a:lnL>
+                      <a:noFill/>
+                    </a:lnL>
+                    <a:lnR>
+                      <a:noFill/>
+                    </a:lnR>
+                    <a:lnT w="12700" cap="flat" cmpd="sng" algn="ctr">
+                      <a:noFill/>
+                      <a:prstDash val="solid"/>
+                      <a:round/>
+                      <a:headEnd type="none" w="med" len="med"/>
+                      <a:tailEnd type="none" w="med" len="med"/>
+                    </a:lnT>
+                    <a:lnB>
+                      <a:noFill/>
+                    </a:lnB>
+                  </a:tcPr>
+                </a:tc>
+                <a:tc>
+                  <a:txBody>
+                    <a:bodyPr/>
+                    <a:lstStyle/>
+                    <a:p>
+                      <a:pPr algn="ctr">
+                        <a:lnSpc>
+                          <a:spcPct val="114000"/>
+                        </a:lnSpc>
+                      </a:pPr>
+                      <a:r>
+                        <a:rPr lang="en-ID" sz="1000" dirty="0">
+                          <a:effectLst/>
+                          <a:latin typeface="+mj-lt"/>
+                          <a:ea typeface="Times New Roman" panose="02020603050405020304" pitchFamily="18" charset="0"/>
+                        </a:rPr>
+                        <a:t>50*1e-09 J</a:t>
+                      </a:r>
+                    </a:p>
+                  </a:txBody>
+                  <a:tcPr marL="68580" marR="68580" marT="0" marB="0" anchor="ctr">
+                    <a:lnL>
+                      <a:noFill/>
+                    </a:lnL>
+                    <a:lnR>
+                      <a:noFill/>
+                    </a:lnR>
+                    <a:lnT w="12700" cap="flat" cmpd="sng" algn="ctr">
+                      <a:noFill/>
+                      <a:prstDash val="solid"/>
+                      <a:round/>
+                      <a:headEnd type="none" w="med" len="med"/>
+                      <a:tailEnd type="none" w="med" len="med"/>
+                    </a:lnT>
+                    <a:lnB>
+                      <a:noFill/>
+                    </a:lnB>
+                  </a:tcPr>
+                </a:tc>
+                <a:extLst>
+                  <a:ext uri="{0D108BD9-81ED-4DB2-BD59-A6C34878D82A}">
+                    <a16:rowId xmlns:a16="http://schemas.microsoft.com/office/drawing/2014/main" val="4064137971"/>
+                  </a:ext>
+                </a:extLst>
+              </a:tr>
+              <a:tr h="193623">
+                <a:tc>
+                  <a:txBody>
+                    <a:bodyPr/>
+                    <a:lstStyle/>
+                    <a:p>
+                      <a:pPr algn="just">
+                        <a:lnSpc>
+                          <a:spcPct val="114000"/>
+                        </a:lnSpc>
+                      </a:pPr>
+                      <a:r>
+                        <a:rPr lang="en-ID" sz="1000" dirty="0"/>
+                        <a:t>Receiving energy</a:t>
+                      </a:r>
+                      <a:endParaRPr lang="en-ID" sz="1000" dirty="0">
+                        <a:effectLst/>
+                        <a:latin typeface="+mj-lt"/>
+                        <a:ea typeface="Times New Roman" panose="02020603050405020304" pitchFamily="18" charset="0"/>
+                      </a:endParaRPr>
+                    </a:p>
+                  </a:txBody>
+                  <a:tcPr marL="68580" marR="68580" marT="0" marB="0" anchor="ctr">
+                    <a:lnL>
+                      <a:noFill/>
+                    </a:lnL>
+                    <a:lnR>
+                      <a:noFill/>
+                    </a:lnR>
+                    <a:lnT w="12700" cap="flat" cmpd="sng" algn="ctr">
+                      <a:noFill/>
+                      <a:prstDash val="solid"/>
+                      <a:round/>
+                      <a:headEnd type="none" w="med" len="med"/>
+                      <a:tailEnd type="none" w="med" len="med"/>
+                    </a:lnT>
+                    <a:lnB>
+                      <a:noFill/>
+                    </a:lnB>
+                  </a:tcPr>
+                </a:tc>
+                <a:tc>
+                  <a:txBody>
+                    <a:bodyPr/>
+                    <a:lstStyle/>
+                    <a:p>
+                      <a:pPr algn="ctr">
+                        <a:lnSpc>
+                          <a:spcPct val="114000"/>
+                        </a:lnSpc>
+                      </a:pPr>
+                      <a:r>
+                        <a:rPr lang="en-ID" sz="1000" dirty="0">
+                          <a:effectLst/>
+                          <a:latin typeface="+mj-lt"/>
+                          <a:ea typeface="Times New Roman" panose="02020603050405020304" pitchFamily="18" charset="0"/>
+                        </a:rPr>
+                        <a:t>50*1e-09</a:t>
+                      </a:r>
+                      <a:r>
+                        <a:rPr lang="en-ID" sz="1000" kern="1200" dirty="0">
+                          <a:solidFill>
+                            <a:schemeClr val="tx1"/>
+                          </a:solidFill>
+                          <a:effectLst/>
+                          <a:latin typeface="+mn-lt"/>
+                          <a:ea typeface="Times New Roman" panose="02020603050405020304" pitchFamily="18" charset="0"/>
+                          <a:cs typeface="+mn-cs"/>
+                        </a:rPr>
+                        <a:t> J</a:t>
+                      </a:r>
+                      <a:endParaRPr lang="en-ID" sz="1000" dirty="0">
+                        <a:effectLst/>
+                        <a:latin typeface="+mj-lt"/>
+                        <a:ea typeface="Times New Roman" panose="02020603050405020304" pitchFamily="18" charset="0"/>
+                      </a:endParaRPr>
+                    </a:p>
+                  </a:txBody>
+                  <a:tcPr marL="68580" marR="68580" marT="0" marB="0" anchor="ctr">
+                    <a:lnL>
+                      <a:noFill/>
+                    </a:lnL>
+                    <a:lnR>
+                      <a:noFill/>
+                    </a:lnR>
+                    <a:lnT w="12700" cap="flat" cmpd="sng" algn="ctr">
+                      <a:noFill/>
+                      <a:prstDash val="solid"/>
+                      <a:round/>
+                      <a:headEnd type="none" w="med" len="med"/>
+                      <a:tailEnd type="none" w="med" len="med"/>
+                    </a:lnT>
+                    <a:lnB>
+                      <a:noFill/>
+                    </a:lnB>
+                  </a:tcPr>
+                </a:tc>
+                <a:extLst>
+                  <a:ext uri="{0D108BD9-81ED-4DB2-BD59-A6C34878D82A}">
+                    <a16:rowId xmlns:a16="http://schemas.microsoft.com/office/drawing/2014/main" val="2224759160"/>
+                  </a:ext>
+                </a:extLst>
+              </a:tr>
+              <a:tr h="188454">
+                <a:tc>
+                  <a:txBody>
+                    <a:bodyPr/>
+                    <a:lstStyle/>
+                    <a:p>
+                      <a:pPr algn="just">
+                        <a:lnSpc>
+                          <a:spcPct val="114000"/>
+                        </a:lnSpc>
+                      </a:pPr>
+                      <a:r>
+                        <a:rPr lang="en-ID" sz="1000" dirty="0"/>
+                        <a:t>Aggregated data energy</a:t>
+                      </a:r>
+                      <a:endParaRPr lang="en-ID" sz="1000" dirty="0">
+                        <a:effectLst/>
+                        <a:latin typeface="+mj-lt"/>
+                        <a:ea typeface="Times New Roman" panose="02020603050405020304" pitchFamily="18" charset="0"/>
+                      </a:endParaRPr>
+                    </a:p>
+                  </a:txBody>
+                  <a:tcPr marL="68580" marR="68580" marT="0" marB="0" anchor="ctr">
+                    <a:lnL>
+                      <a:noFill/>
+                    </a:lnL>
+                    <a:lnR>
+                      <a:noFill/>
+                    </a:lnR>
+                    <a:lnT w="12700" cap="flat" cmpd="sng" algn="ctr">
+                      <a:noFill/>
+                      <a:prstDash val="solid"/>
+                      <a:round/>
+                      <a:headEnd type="none" w="med" len="med"/>
+                      <a:tailEnd type="none" w="med" len="med"/>
+                    </a:lnT>
+                    <a:lnB>
+                      <a:noFill/>
+                    </a:lnB>
+                  </a:tcPr>
+                </a:tc>
+                <a:tc>
+                  <a:txBody>
+                    <a:bodyPr/>
+                    <a:lstStyle/>
+                    <a:p>
+                      <a:pPr marL="0" marR="0" lvl="0" indent="0" algn="ctr" defTabSz="914400" rtl="0" eaLnBrk="1" fontAlgn="auto" latinLnBrk="0" hangingPunct="1">
+                        <a:lnSpc>
+                          <a:spcPct val="114000"/>
+                        </a:lnSpc>
+                        <a:spcBef>
+                          <a:spcPts val="0"/>
+                        </a:spcBef>
+                        <a:spcAft>
+                          <a:spcPts val="0"/>
+                        </a:spcAft>
+                        <a:buClrTx/>
+                        <a:buSzTx/>
+                        <a:buFontTx/>
+                        <a:buNone/>
+                        <a:tabLst/>
+                        <a:defRPr/>
+                      </a:pPr>
+                      <a:r>
+                        <a:rPr lang="en-ID" sz="1000" kern="1200" dirty="0">
+                          <a:solidFill>
+                            <a:schemeClr val="tx1"/>
+                          </a:solidFill>
+                          <a:effectLst/>
+                          <a:latin typeface="+mn-lt"/>
+                          <a:ea typeface="Times New Roman" panose="02020603050405020304" pitchFamily="18" charset="0"/>
+                          <a:cs typeface="+mn-cs"/>
+                        </a:rPr>
+                        <a:t>5*1e-09 J</a:t>
+                      </a:r>
+                    </a:p>
+                  </a:txBody>
+                  <a:tcPr marL="68580" marR="68580" marT="0" marB="0" anchor="ctr">
+                    <a:lnL>
+                      <a:noFill/>
+                    </a:lnL>
+                    <a:lnR>
+                      <a:noFill/>
+                    </a:lnR>
+                    <a:lnT w="12700" cap="flat" cmpd="sng" algn="ctr">
+                      <a:noFill/>
+                      <a:prstDash val="solid"/>
+                      <a:round/>
+                      <a:headEnd type="none" w="med" len="med"/>
+                      <a:tailEnd type="none" w="med" len="med"/>
+                    </a:lnT>
+                    <a:lnB>
+                      <a:noFill/>
+                    </a:lnB>
+                  </a:tcPr>
+                </a:tc>
+                <a:extLst>
+                  <a:ext uri="{0D108BD9-81ED-4DB2-BD59-A6C34878D82A}">
+                    <a16:rowId xmlns:a16="http://schemas.microsoft.com/office/drawing/2014/main" val="749093780"/>
+                  </a:ext>
+                </a:extLst>
+              </a:tr>
+              <a:tr h="188454">
+                <a:tc>
+                  <a:txBody>
+                    <a:bodyPr/>
+                    <a:lstStyle/>
+                    <a:p>
+                      <a:pPr algn="just">
+                        <a:lnSpc>
+                          <a:spcPct val="114000"/>
+                        </a:lnSpc>
+                      </a:pPr>
+                      <a:r>
+                        <a:rPr lang="en-ID" sz="1000" dirty="0"/>
+                        <a:t>Transmission amplifier multipath,</a:t>
+                      </a:r>
+                      <a:endParaRPr lang="en-ID" sz="1000" dirty="0">
+                        <a:effectLst/>
+                        <a:latin typeface="+mj-lt"/>
+                        <a:ea typeface="Times New Roman" panose="02020603050405020304" pitchFamily="18" charset="0"/>
+                      </a:endParaRPr>
+                    </a:p>
+                  </a:txBody>
+                  <a:tcPr marL="68580" marR="68580" marT="0" marB="0" anchor="ctr">
+                    <a:lnL>
+                      <a:noFill/>
+                    </a:lnL>
+                    <a:lnR>
+                      <a:noFill/>
+                    </a:lnR>
+                    <a:lnT w="12700" cap="flat" cmpd="sng" algn="ctr">
+                      <a:noFill/>
+                      <a:prstDash val="solid"/>
+                      <a:round/>
+                      <a:headEnd type="none" w="med" len="med"/>
+                      <a:tailEnd type="none" w="med" len="med"/>
+                    </a:lnT>
+                    <a:lnB>
+                      <a:noFill/>
+                    </a:lnB>
+                  </a:tcPr>
+                </a:tc>
+                <a:tc>
+                  <a:txBody>
+                    <a:bodyPr/>
+                    <a:lstStyle/>
+                    <a:p>
+                      <a:pPr algn="ctr">
+                        <a:lnSpc>
+                          <a:spcPct val="114000"/>
+                        </a:lnSpc>
+                      </a:pPr>
+                      <a:r>
+                        <a:rPr lang="en-ID" sz="1000" dirty="0">
+                          <a:effectLst/>
+                          <a:latin typeface="+mj-lt"/>
+                          <a:ea typeface="Times New Roman" panose="02020603050405020304" pitchFamily="18" charset="0"/>
+                        </a:rPr>
+                        <a:t>0.0013*1e-12</a:t>
+                      </a:r>
+                      <a:r>
+                        <a:rPr lang="en-ID" sz="1000" dirty="0"/>
+                        <a:t>J/bit</a:t>
+                      </a:r>
+                      <a:endParaRPr lang="en-ID" sz="1000" dirty="0">
+                        <a:effectLst/>
+                        <a:latin typeface="+mj-lt"/>
+                        <a:ea typeface="Times New Roman" panose="02020603050405020304" pitchFamily="18" charset="0"/>
+                      </a:endParaRPr>
+                    </a:p>
+                  </a:txBody>
+                  <a:tcPr marL="68580" marR="68580" marT="0" marB="0" anchor="ctr">
+                    <a:lnL>
+                      <a:noFill/>
+                    </a:lnL>
+                    <a:lnR>
+                      <a:noFill/>
+                    </a:lnR>
+                    <a:lnT w="12700" cap="flat" cmpd="sng" algn="ctr">
+                      <a:noFill/>
+                      <a:prstDash val="solid"/>
+                      <a:round/>
+                      <a:headEnd type="none" w="med" len="med"/>
+                      <a:tailEnd type="none" w="med" len="med"/>
+                    </a:lnT>
+                    <a:lnB>
+                      <a:noFill/>
+                    </a:lnB>
+                  </a:tcPr>
+                </a:tc>
+                <a:extLst>
+                  <a:ext uri="{0D108BD9-81ED-4DB2-BD59-A6C34878D82A}">
+                    <a16:rowId xmlns:a16="http://schemas.microsoft.com/office/drawing/2014/main" val="3055658757"/>
+                  </a:ext>
+                </a:extLst>
+              </a:tr>
+              <a:tr h="232879">
+                <a:tc>
+                  <a:txBody>
+                    <a:bodyPr/>
+                    <a:lstStyle/>
+                    <a:p>
+                      <a:pPr algn="just">
+                        <a:lnSpc>
+                          <a:spcPct val="114000"/>
+                        </a:lnSpc>
+                      </a:pPr>
+                      <a:r>
+                        <a:rPr lang="en-ID" sz="1000" dirty="0"/>
+                        <a:t>Transmission amplifier free space</a:t>
+                      </a:r>
+                      <a:endParaRPr lang="en-ID" sz="1000" dirty="0">
+                        <a:effectLst/>
+                        <a:latin typeface="+mj-lt"/>
+                        <a:ea typeface="Times New Roman" panose="02020603050405020304" pitchFamily="18" charset="0"/>
+                      </a:endParaRPr>
+                    </a:p>
+                  </a:txBody>
+                  <a:tcPr marL="68580" marR="68580" marT="0" marB="0" anchor="ctr">
+                    <a:lnL>
+                      <a:noFill/>
+                    </a:lnL>
+                    <a:lnR>
+                      <a:noFill/>
+                    </a:lnR>
+                    <a:lnT>
+                      <a:noFill/>
+                    </a:lnT>
+                    <a:lnB w="12700" cap="flat" cmpd="sng" algn="ctr">
+                      <a:noFill/>
+                      <a:prstDash val="solid"/>
+                      <a:round/>
+                      <a:headEnd type="none" w="med" len="med"/>
+                      <a:tailEnd type="none" w="med" len="med"/>
+                    </a:lnB>
+                  </a:tcPr>
+                </a:tc>
+                <a:tc>
+                  <a:txBody>
+                    <a:bodyPr/>
+                    <a:lstStyle/>
+                    <a:p>
+                      <a:pPr algn="ctr">
+                        <a:lnSpc>
+                          <a:spcPct val="114000"/>
+                        </a:lnSpc>
+                      </a:pPr>
+                      <a:r>
+                        <a:rPr lang="en-ID" sz="1000" dirty="0">
+                          <a:effectLst/>
+                          <a:latin typeface="+mj-lt"/>
+                          <a:ea typeface="Times New Roman" panose="02020603050405020304" pitchFamily="18" charset="0"/>
+                        </a:rPr>
+                        <a:t>10*1e-12 </a:t>
+                      </a:r>
+                      <a:r>
+                        <a:rPr lang="en-ID" sz="1000" dirty="0"/>
+                        <a:t>J/bit</a:t>
+                      </a:r>
+                      <a:endParaRPr lang="en-ID" sz="1000" dirty="0">
+                        <a:effectLst/>
+                        <a:latin typeface="+mj-lt"/>
+                        <a:ea typeface="Times New Roman" panose="02020603050405020304" pitchFamily="18" charset="0"/>
+                      </a:endParaRPr>
+                    </a:p>
+                  </a:txBody>
+                  <a:tcPr marL="68580" marR="68580" marT="0" marB="0" anchor="ctr">
+                    <a:lnL>
+                      <a:noFill/>
+                    </a:lnL>
+                    <a:lnR>
+                      <a:noFill/>
+                    </a:lnR>
+                    <a:lnT>
+                      <a:noFill/>
+                    </a:lnT>
+                    <a:lnB w="12700" cap="flat" cmpd="sng" algn="ctr">
+                      <a:noFill/>
+                      <a:prstDash val="solid"/>
+                      <a:round/>
+                      <a:headEnd type="none" w="med" len="med"/>
+                      <a:tailEnd type="none" w="med" len="med"/>
+                    </a:lnB>
+                  </a:tcPr>
+                </a:tc>
+                <a:extLst>
+                  <a:ext uri="{0D108BD9-81ED-4DB2-BD59-A6C34878D82A}">
+                    <a16:rowId xmlns:a16="http://schemas.microsoft.com/office/drawing/2014/main" val="400796711"/>
+                  </a:ext>
+                </a:extLst>
+              </a:tr>
+              <a:tr h="188454">
+                <a:tc>
+                  <a:txBody>
+                    <a:bodyPr/>
+                    <a:lstStyle/>
+                    <a:p>
+                      <a:pPr algn="just">
+                        <a:lnSpc>
+                          <a:spcPct val="114000"/>
+                        </a:lnSpc>
+                      </a:pPr>
+                      <a:r>
+                        <a:rPr lang="en-US" sz="1000" dirty="0">
+                          <a:effectLst/>
+                          <a:latin typeface="+mj-lt"/>
+                          <a:ea typeface="Times New Roman" panose="02020603050405020304" pitchFamily="18" charset="0"/>
+                        </a:rPr>
+                        <a:t>CH packet length</a:t>
+                      </a:r>
+                      <a:endParaRPr lang="en-ID" sz="1000" dirty="0">
+                        <a:effectLst/>
+                        <a:latin typeface="+mj-lt"/>
+                        <a:ea typeface="Times New Roman" panose="02020603050405020304" pitchFamily="18" charset="0"/>
+                      </a:endParaRPr>
+                    </a:p>
+                  </a:txBody>
+                  <a:tcPr marL="68580" marR="68580" marT="0" marB="0" anchor="ctr">
+                    <a:lnL>
+                      <a:noFill/>
+                    </a:lnL>
+                    <a:lnR>
+                      <a:noFill/>
+                    </a:lnR>
+                    <a:lnT>
+                      <a:noFill/>
+                    </a:lnT>
+                    <a:lnB w="12700" cap="flat" cmpd="sng" algn="ctr">
+                      <a:noFill/>
+                      <a:prstDash val="solid"/>
+                      <a:round/>
+                      <a:headEnd type="none" w="med" len="med"/>
+                      <a:tailEnd type="none" w="med" len="med"/>
+                    </a:lnB>
+                  </a:tcPr>
+                </a:tc>
+                <a:tc>
+                  <a:txBody>
+                    <a:bodyPr/>
+                    <a:lstStyle/>
+                    <a:p>
+                      <a:pPr algn="ctr">
+                        <a:lnSpc>
+                          <a:spcPct val="114000"/>
+                        </a:lnSpc>
+                      </a:pPr>
+                      <a:r>
+                        <a:rPr lang="en-US" sz="1000" dirty="0">
+                          <a:effectLst/>
+                          <a:latin typeface="+mj-lt"/>
+                          <a:ea typeface="Times New Roman" panose="02020603050405020304" pitchFamily="18" charset="0"/>
+                        </a:rPr>
+                        <a:t>6400 bit</a:t>
+                      </a:r>
+                      <a:endParaRPr lang="en-ID" sz="1000" dirty="0">
+                        <a:effectLst/>
+                        <a:latin typeface="+mj-lt"/>
+                        <a:ea typeface="Times New Roman" panose="02020603050405020304" pitchFamily="18" charset="0"/>
+                      </a:endParaRPr>
+                    </a:p>
+                  </a:txBody>
+                  <a:tcPr marL="68580" marR="68580" marT="0" marB="0" anchor="ctr">
+                    <a:lnL>
+                      <a:noFill/>
+                    </a:lnL>
+                    <a:lnR>
+                      <a:noFill/>
+                    </a:lnR>
+                    <a:lnT>
+                      <a:noFill/>
+                    </a:lnT>
+                    <a:lnB w="12700" cap="flat" cmpd="sng" algn="ctr">
+                      <a:noFill/>
+                      <a:prstDash val="solid"/>
+                      <a:round/>
+                      <a:headEnd type="none" w="med" len="med"/>
+                      <a:tailEnd type="none" w="med" len="med"/>
+                    </a:lnB>
+                  </a:tcPr>
+                </a:tc>
+                <a:extLst>
+                  <a:ext uri="{0D108BD9-81ED-4DB2-BD59-A6C34878D82A}">
+                    <a16:rowId xmlns:a16="http://schemas.microsoft.com/office/drawing/2014/main" val="1021888037"/>
+                  </a:ext>
+                </a:extLst>
+              </a:tr>
+              <a:tr h="188454">
+                <a:tc>
+                  <a:txBody>
+                    <a:bodyPr/>
+                    <a:lstStyle/>
+                    <a:p>
+                      <a:pPr algn="just">
+                        <a:lnSpc>
+                          <a:spcPct val="114000"/>
+                        </a:lnSpc>
+                      </a:pPr>
+                      <a:r>
+                        <a:rPr lang="en-US" sz="1000" dirty="0">
+                          <a:effectLst/>
+                          <a:latin typeface="+mj-lt"/>
+                          <a:ea typeface="Times New Roman" panose="02020603050405020304" pitchFamily="18" charset="0"/>
+                        </a:rPr>
+                        <a:t>Node adjacent packet length</a:t>
+                      </a:r>
+                      <a:endParaRPr lang="en-ID" sz="1000" dirty="0">
+                        <a:effectLst/>
+                        <a:latin typeface="+mj-lt"/>
+                        <a:ea typeface="Times New Roman" panose="02020603050405020304" pitchFamily="18" charset="0"/>
+                      </a:endParaRPr>
+                    </a:p>
+                  </a:txBody>
+                  <a:tcPr marL="68580" marR="68580" marT="0" marB="0" anchor="ctr">
+                    <a:lnL>
+                      <a:noFill/>
+                    </a:lnL>
+                    <a:lnR>
+                      <a:noFill/>
+                    </a:lnR>
+                    <a:lnT>
+                      <a:noFill/>
+                    </a:lnT>
+                    <a:lnB w="12700" cap="flat" cmpd="sng" algn="ctr">
+                      <a:solidFill>
+                        <a:srgbClr val="000000"/>
+                      </a:solidFill>
+                      <a:prstDash val="solid"/>
+                      <a:round/>
+                      <a:headEnd type="none" w="med" len="med"/>
+                      <a:tailEnd type="none" w="med" len="med"/>
+                    </a:lnB>
+                  </a:tcPr>
+                </a:tc>
+                <a:tc>
+                  <a:txBody>
+                    <a:bodyPr/>
+                    <a:lstStyle/>
+                    <a:p>
+                      <a:pPr algn="ctr">
+                        <a:lnSpc>
+                          <a:spcPct val="114000"/>
+                        </a:lnSpc>
+                      </a:pPr>
+                      <a:r>
+                        <a:rPr lang="en-ID" sz="1000" dirty="0">
+                          <a:effectLst/>
+                          <a:latin typeface="+mj-lt"/>
+                          <a:ea typeface="Times New Roman" panose="02020603050405020304" pitchFamily="18" charset="0"/>
+                        </a:rPr>
+                        <a:t>200</a:t>
+                      </a:r>
+                    </a:p>
+                  </a:txBody>
+                  <a:tcPr marL="68580" marR="68580" marT="0" marB="0" anchor="ctr">
+                    <a:lnL>
+                      <a:noFill/>
+                    </a:lnL>
+                    <a:lnR>
+                      <a:noFill/>
+                    </a:lnR>
+                    <a:lnT>
+                      <a:noFill/>
+                    </a:lnT>
+                    <a:lnB w="12700" cap="flat" cmpd="sng" algn="ctr">
+                      <a:solidFill>
+                        <a:srgbClr val="000000"/>
+                      </a:solidFill>
+                      <a:prstDash val="solid"/>
+                      <a:round/>
+                      <a:headEnd type="none" w="med" len="med"/>
+                      <a:tailEnd type="none" w="med" len="med"/>
+                    </a:lnB>
+                  </a:tcPr>
+                </a:tc>
+                <a:extLst>
+                  <a:ext uri="{0D108BD9-81ED-4DB2-BD59-A6C34878D82A}">
+                    <a16:rowId xmlns:a16="http://schemas.microsoft.com/office/drawing/2014/main" val="3036938063"/>
+                  </a:ext>
+                </a:extLst>
+              </a:tr>
+            </a:tbl>
+          </a:graphicData>
+        </a:graphic>
+      </p:graphicFrame>
+      <p:graphicFrame>
+        <p:nvGraphicFramePr>
+          <p:cNvPr id="9" name="Object 8">
+            <a:extLst>
+              <a:ext uri="{FF2B5EF4-FFF2-40B4-BE49-F238E27FC236}">
+                <a16:creationId xmlns:a16="http://schemas.microsoft.com/office/drawing/2014/main" id="{CEB65299-0C2C-D14F-3A74-DAEBA631A827}"/>
+              </a:ext>
+            </a:extLst>
+          </p:cNvPr>
+          <p:cNvGraphicFramePr>
+            <a:graphicFrameLocks noChangeAspect="1"/>
+          </p:cNvGraphicFramePr>
+          <p:nvPr>
+            <p:extLst>
+              <p:ext uri="{D42A27DB-BD31-4B8C-83A1-F6EECF244321}">
+                <p14:modId xmlns:p14="http://schemas.microsoft.com/office/powerpoint/2010/main" val="3224777904"/>
+              </p:ext>
+            </p:extLst>
+          </p:nvPr>
+        </p:nvGraphicFramePr>
+        <p:xfrm>
+          <a:off x="5172075" y="2043195"/>
+          <a:ext cx="2521370" cy="917719"/>
+        </p:xfrm>
+        <a:graphic>
+          <a:graphicData uri="http://schemas.openxmlformats.org/presentationml/2006/ole">
+            <mc:AlternateContent xmlns:mc="http://schemas.openxmlformats.org/markup-compatibility/2006">
+              <mc:Choice xmlns:v="urn:schemas-microsoft-com:vml" Requires="v">
+                <p:oleObj name="Equation" r:id="rId2" imgW="2123730" imgH="772818" progId="Equation.DSMT4">
+                  <p:embed/>
+                </p:oleObj>
+              </mc:Choice>
+              <mc:Fallback>
+                <p:oleObj name="Equation" r:id="rId2" imgW="2123730" imgH="772818" progId="Equation.DSMT4">
+                  <p:embed/>
+                  <p:pic>
+                    <p:nvPicPr>
+                      <p:cNvPr id="0" name=""/>
+                      <p:cNvPicPr/>
+                      <p:nvPr/>
+                    </p:nvPicPr>
+                    <p:blipFill>
+                      <a:blip r:embed="rId3"/>
+                      <a:stretch>
+                        <a:fillRect/>
+                      </a:stretch>
+                    </p:blipFill>
+                    <p:spPr>
+                      <a:xfrm>
+                        <a:off x="5172075" y="2043195"/>
+                        <a:ext cx="2521370" cy="917719"/>
+                      </a:xfrm>
+                      <a:prstGeom prst="rect">
+                        <a:avLst/>
+                      </a:prstGeom>
+                    </p:spPr>
+                  </p:pic>
+                </p:oleObj>
+              </mc:Fallback>
+            </mc:AlternateContent>
+          </a:graphicData>
+        </a:graphic>
+      </p:graphicFrame>
+      <p:graphicFrame>
+        <p:nvGraphicFramePr>
+          <p:cNvPr id="10" name="Object 9">
+            <a:extLst>
+              <a:ext uri="{FF2B5EF4-FFF2-40B4-BE49-F238E27FC236}">
+                <a16:creationId xmlns:a16="http://schemas.microsoft.com/office/drawing/2014/main" id="{F31FF00E-05ED-E77F-EA3F-6049E04593CE}"/>
+              </a:ext>
+            </a:extLst>
+          </p:cNvPr>
+          <p:cNvGraphicFramePr>
+            <a:graphicFrameLocks noChangeAspect="1"/>
+          </p:cNvGraphicFramePr>
+          <p:nvPr>
+            <p:extLst>
+              <p:ext uri="{D42A27DB-BD31-4B8C-83A1-F6EECF244321}">
+                <p14:modId xmlns:p14="http://schemas.microsoft.com/office/powerpoint/2010/main" val="3788475994"/>
+              </p:ext>
+            </p:extLst>
+          </p:nvPr>
+        </p:nvGraphicFramePr>
+        <p:xfrm>
+          <a:off x="5172074" y="3133378"/>
+          <a:ext cx="3583593" cy="741841"/>
+        </p:xfrm>
+        <a:graphic>
+          <a:graphicData uri="http://schemas.openxmlformats.org/presentationml/2006/ole">
+            <mc:AlternateContent xmlns:mc="http://schemas.openxmlformats.org/markup-compatibility/2006">
+              <mc:Choice xmlns:v="urn:schemas-microsoft-com:vml" Requires="v">
+                <p:oleObj name="Equation" r:id="rId4" imgW="2400175" imgH="496219" progId="Equation.DSMT4">
+                  <p:embed/>
+                </p:oleObj>
+              </mc:Choice>
+              <mc:Fallback>
+                <p:oleObj name="Equation" r:id="rId4" imgW="2400175" imgH="496219" progId="Equation.DSMT4">
+                  <p:embed/>
+                  <p:pic>
+                    <p:nvPicPr>
+                      <p:cNvPr id="0" name=""/>
+                      <p:cNvPicPr/>
+                      <p:nvPr/>
+                    </p:nvPicPr>
+                    <p:blipFill>
+                      <a:blip r:embed="rId5"/>
+                      <a:stretch>
+                        <a:fillRect/>
+                      </a:stretch>
+                    </p:blipFill>
+                    <p:spPr>
+                      <a:xfrm>
+                        <a:off x="5172074" y="3133378"/>
+                        <a:ext cx="3583593" cy="741841"/>
+                      </a:xfrm>
+                      <a:prstGeom prst="rect">
+                        <a:avLst/>
+                      </a:prstGeom>
+                    </p:spPr>
+                  </p:pic>
+                </p:oleObj>
+              </mc:Fallback>
+            </mc:AlternateContent>
+          </a:graphicData>
+        </a:graphic>
+      </p:graphicFrame>
+      <p:graphicFrame>
+        <p:nvGraphicFramePr>
+          <p:cNvPr id="11" name="Object 10">
+            <a:extLst>
+              <a:ext uri="{FF2B5EF4-FFF2-40B4-BE49-F238E27FC236}">
+                <a16:creationId xmlns:a16="http://schemas.microsoft.com/office/drawing/2014/main" id="{B68D5558-4BF8-4C49-B7C1-EABBA20B944A}"/>
+              </a:ext>
+            </a:extLst>
+          </p:cNvPr>
+          <p:cNvGraphicFramePr>
+            <a:graphicFrameLocks noChangeAspect="1"/>
+          </p:cNvGraphicFramePr>
+          <p:nvPr>
+            <p:extLst>
+              <p:ext uri="{D42A27DB-BD31-4B8C-83A1-F6EECF244321}">
+                <p14:modId xmlns:p14="http://schemas.microsoft.com/office/powerpoint/2010/main" val="3267165641"/>
+              </p:ext>
+            </p:extLst>
+          </p:nvPr>
+        </p:nvGraphicFramePr>
+        <p:xfrm>
+          <a:off x="5172074" y="4022604"/>
+          <a:ext cx="1841500" cy="365125"/>
+        </p:xfrm>
+        <a:graphic>
+          <a:graphicData uri="http://schemas.openxmlformats.org/presentationml/2006/ole">
+            <mc:AlternateContent xmlns:mc="http://schemas.openxmlformats.org/markup-compatibility/2006">
+              <mc:Choice xmlns:v="urn:schemas-microsoft-com:vml" Requires="v">
+                <p:oleObj name="Equation" r:id="rId6" imgW="1104700" imgH="219620" progId="Equation.DSMT4">
+                  <p:embed/>
+                </p:oleObj>
+              </mc:Choice>
+              <mc:Fallback>
+                <p:oleObj name="Equation" r:id="rId6" imgW="1104700" imgH="219620" progId="Equation.DSMT4">
+                  <p:embed/>
+                  <p:pic>
+                    <p:nvPicPr>
+                      <p:cNvPr id="0" name=""/>
+                      <p:cNvPicPr/>
+                      <p:nvPr/>
+                    </p:nvPicPr>
+                    <p:blipFill>
+                      <a:blip r:embed="rId7"/>
+                      <a:stretch>
+                        <a:fillRect/>
+                      </a:stretch>
+                    </p:blipFill>
+                    <p:spPr>
+                      <a:xfrm>
+                        <a:off x="5172074" y="4022604"/>
+                        <a:ext cx="1841500" cy="365125"/>
+                      </a:xfrm>
+                      <a:prstGeom prst="rect">
+                        <a:avLst/>
+                      </a:prstGeom>
+                    </p:spPr>
+                  </p:pic>
+                </p:oleObj>
+              </mc:Fallback>
+            </mc:AlternateContent>
+          </a:graphicData>
+        </a:graphic>
+      </p:graphicFrame>
+      <p:graphicFrame>
+        <p:nvGraphicFramePr>
+          <p:cNvPr id="13" name="Object 12">
+            <a:extLst>
+              <a:ext uri="{FF2B5EF4-FFF2-40B4-BE49-F238E27FC236}">
+                <a16:creationId xmlns:a16="http://schemas.microsoft.com/office/drawing/2014/main" id="{1A93E938-F455-5096-C6C2-B8ABDD64D8F6}"/>
+              </a:ext>
+            </a:extLst>
+          </p:cNvPr>
+          <p:cNvGraphicFramePr>
+            <a:graphicFrameLocks noChangeAspect="1"/>
+          </p:cNvGraphicFramePr>
+          <p:nvPr>
+            <p:extLst>
+              <p:ext uri="{D42A27DB-BD31-4B8C-83A1-F6EECF244321}">
+                <p14:modId xmlns:p14="http://schemas.microsoft.com/office/powerpoint/2010/main" val="2602636658"/>
+              </p:ext>
+            </p:extLst>
+          </p:nvPr>
+        </p:nvGraphicFramePr>
+        <p:xfrm>
+          <a:off x="8002178" y="2012199"/>
+          <a:ext cx="845730" cy="623286"/>
+        </p:xfrm>
+        <a:graphic>
+          <a:graphicData uri="http://schemas.openxmlformats.org/presentationml/2006/ole">
+            <mc:AlternateContent xmlns:mc="http://schemas.openxmlformats.org/markup-compatibility/2006">
+              <mc:Choice xmlns:v="urn:schemas-microsoft-com:vml" Requires="v">
+                <p:oleObj name="Equation" r:id="rId8" imgW="609403" imgH="448616" progId="Equation.DSMT4">
+                  <p:embed/>
+                </p:oleObj>
+              </mc:Choice>
+              <mc:Fallback>
+                <p:oleObj name="Equation" r:id="rId8" imgW="609403" imgH="448616" progId="Equation.DSMT4">
+                  <p:embed/>
+                  <p:pic>
+                    <p:nvPicPr>
+                      <p:cNvPr id="0" name=""/>
+                      <p:cNvPicPr/>
+                      <p:nvPr/>
+                    </p:nvPicPr>
+                    <p:blipFill>
+                      <a:blip r:embed="rId9"/>
+                      <a:stretch>
+                        <a:fillRect/>
+                      </a:stretch>
+                    </p:blipFill>
+                    <p:spPr>
+                      <a:xfrm>
+                        <a:off x="8002178" y="2012199"/>
+                        <a:ext cx="845730" cy="623286"/>
+                      </a:xfrm>
+                      <a:prstGeom prst="rect">
+                        <a:avLst/>
+                      </a:prstGeom>
+                    </p:spPr>
+                  </p:pic>
+                </p:oleObj>
+              </mc:Fallback>
+            </mc:AlternateContent>
+          </a:graphicData>
+        </a:graphic>
+      </p:graphicFrame>
     </p:spTree>
     <p:extLst>
       <p:ext uri="{BB962C8B-B14F-4D97-AF65-F5344CB8AC3E}">
-        <p14:creationId xmlns:p14="http://schemas.microsoft.com/office/powerpoint/2010/main" val="1446772658"/>
+        <p14:creationId xmlns:p14="http://schemas.microsoft.com/office/powerpoint/2010/main" val="3641762573"/>
       </p:ext>
     </p:extLst>
   </p:cSld>
@@ -14151,7 +15685,7 @@
           <p:cNvPr id="2" name="Title 1">
             <a:extLst>
               <a:ext uri="{FF2B5EF4-FFF2-40B4-BE49-F238E27FC236}">
-                <a16:creationId xmlns:a16="http://schemas.microsoft.com/office/drawing/2014/main" id="{7399AF58-0B1B-D4ED-11BC-D11523B5101A}"/>
+                <a16:creationId xmlns:a16="http://schemas.microsoft.com/office/drawing/2014/main" id="{F4A3B13E-8055-B30E-84BA-F4A5285D0922}"/>
               </a:ext>
             </a:extLst>
           </p:cNvPr>
@@ -14169,7 +15703,7 @@
           <a:p>
             <a:r>
               <a:rPr lang="en-US" dirty="0"/>
-              <a:t>STEADY STATE</a:t>
+              <a:t>STATE OF THE ART (1)</a:t>
             </a:r>
             <a:endParaRPr lang="en-ID" dirty="0"/>
           </a:p>
@@ -14180,7 +15714,7 @@
           <p:cNvPr id="4" name="Date Placeholder 3">
             <a:extLst>
               <a:ext uri="{FF2B5EF4-FFF2-40B4-BE49-F238E27FC236}">
-                <a16:creationId xmlns:a16="http://schemas.microsoft.com/office/drawing/2014/main" id="{E19F906E-3B91-3128-158A-6D73EDCD954F}"/>
+                <a16:creationId xmlns:a16="http://schemas.microsoft.com/office/drawing/2014/main" id="{D5E3EA8E-4711-61DC-5FAB-404B31DC2559}"/>
               </a:ext>
             </a:extLst>
           </p:cNvPr>
@@ -14191,46 +15725,60 @@
             <p:ph type="dt" sz="half" idx="2"/>
           </p:nvPr>
         </p:nvSpPr>
-        <p:spPr/>
+        <p:spPr>
+          <a:xfrm>
+            <a:off x="380999" y="6356350"/>
+            <a:ext cx="7866017" cy="365125"/>
+          </a:xfrm>
+        </p:spPr>
         <p:txBody>
           <a:bodyPr/>
           <a:lstStyle/>
           <a:p>
-            <a:fld id="{DD9C8446-696E-6942-B6C8-CC9CAD0B34E0}" type="datetime1">
-              <a:rPr lang="en-US" smtClean="0"/>
-              <a:pPr/>
-              <a:t>10/5/2023</a:t>
-            </a:fld>
-            <a:endParaRPr lang="en-US" dirty="0"/>
-          </a:p>
-        </p:txBody>
-      </p:sp>
-      <p:sp>
-        <p:nvSpPr>
-          <p:cNvPr id="5" name="Footer Placeholder 4">
-            <a:extLst>
-              <a:ext uri="{FF2B5EF4-FFF2-40B4-BE49-F238E27FC236}">
-                <a16:creationId xmlns:a16="http://schemas.microsoft.com/office/drawing/2014/main" id="{842AE9D8-FC38-065E-FAF2-60EA5D7096AA}"/>
-              </a:ext>
-            </a:extLst>
-          </p:cNvPr>
-          <p:cNvSpPr>
-            <a:spLocks noGrp="1"/>
-          </p:cNvSpPr>
-          <p:nvPr>
-            <p:ph type="ftr" sz="quarter" idx="3"/>
-          </p:nvPr>
-        </p:nvSpPr>
-        <p:spPr/>
-        <p:txBody>
-          <a:bodyPr/>
-          <a:lstStyle/>
-          <a:p>
-            <a:r>
-              <a:rPr lang="en-US"/>
-              <a:t>PRESENTATION TITLE</a:t>
-            </a:r>
-            <a:endParaRPr lang="en-US" dirty="0"/>
+            <a:r>
+              <a:rPr lang="en-US" sz="900" dirty="0">
+                <a:latin typeface="Times New Roman" panose="02020603050405020304" pitchFamily="18" charset="0"/>
+                <a:cs typeface="Times New Roman" panose="02020603050405020304" pitchFamily="18" charset="0"/>
+              </a:rPr>
+              <a:t>[4] </a:t>
+            </a:r>
+            <a:r>
+              <a:rPr lang="en-US" sz="900" b="0" i="0" dirty="0">
+                <a:solidFill>
+                  <a:srgbClr val="222222"/>
+                </a:solidFill>
+                <a:effectLst/>
+                <a:latin typeface="Times New Roman" panose="02020603050405020304" pitchFamily="18" charset="0"/>
+                <a:cs typeface="Times New Roman" panose="02020603050405020304" pitchFamily="18" charset="0"/>
+              </a:rPr>
+              <a:t>Ramesh, S., et al. "Optimization of Leach Protocol in Wireless Sensor Network Using Machine Learning." </a:t>
+            </a:r>
+            <a:r>
+              <a:rPr lang="en-US" sz="900" b="0" i="1" dirty="0">
+                <a:solidFill>
+                  <a:srgbClr val="222222"/>
+                </a:solidFill>
+                <a:effectLst/>
+                <a:latin typeface="Times New Roman" panose="02020603050405020304" pitchFamily="18" charset="0"/>
+                <a:cs typeface="Times New Roman" panose="02020603050405020304" pitchFamily="18" charset="0"/>
+              </a:rPr>
+              <a:t>Computational Intelligence &amp; Neuroscience</a:t>
+            </a:r>
+            <a:r>
+              <a:rPr lang="en-US" sz="900" b="0" i="0" dirty="0">
+                <a:solidFill>
+                  <a:srgbClr val="222222"/>
+                </a:solidFill>
+                <a:effectLst/>
+                <a:latin typeface="Times New Roman" panose="02020603050405020304" pitchFamily="18" charset="0"/>
+                <a:cs typeface="Times New Roman" panose="02020603050405020304" pitchFamily="18" charset="0"/>
+              </a:rPr>
+              <a:t> (2a022).</a:t>
+            </a:r>
+            <a:endParaRPr lang="en-US" sz="900" dirty="0">
+              <a:latin typeface="Times New Roman" panose="02020603050405020304" pitchFamily="18" charset="0"/>
+              <a:cs typeface="Times New Roman" panose="02020603050405020304" pitchFamily="18" charset="0"/>
+            </a:endParaRPr>
           </a:p>
         </p:txBody>
       </p:sp>
@@ -14239,7 +15787,7 @@
           <p:cNvPr id="6" name="Slide Number Placeholder 5">
             <a:extLst>
               <a:ext uri="{FF2B5EF4-FFF2-40B4-BE49-F238E27FC236}">
-                <a16:creationId xmlns:a16="http://schemas.microsoft.com/office/drawing/2014/main" id="{DDD415ED-1357-1689-1DE5-FDA6CA8CF6A6}"/>
+                <a16:creationId xmlns:a16="http://schemas.microsoft.com/office/drawing/2014/main" id="{C4ADC834-F6FF-4001-56E0-15BD344519C2}"/>
               </a:ext>
             </a:extLst>
           </p:cNvPr>
@@ -14264,12 +15812,266 @@
           </a:p>
         </p:txBody>
       </p:sp>
+      <p:sp>
+        <p:nvSpPr>
+          <p:cNvPr id="12" name="TextBox 11">
+            <a:extLst>
+              <a:ext uri="{FF2B5EF4-FFF2-40B4-BE49-F238E27FC236}">
+                <a16:creationId xmlns:a16="http://schemas.microsoft.com/office/drawing/2014/main" id="{08E661F7-75D2-0993-829B-50C220AE0F3D}"/>
+              </a:ext>
+            </a:extLst>
+          </p:cNvPr>
+          <p:cNvSpPr txBox="1"/>
+          <p:nvPr/>
+        </p:nvSpPr>
+        <p:spPr>
+          <a:xfrm>
+            <a:off x="1245325" y="4579033"/>
+            <a:ext cx="6096000" cy="1200329"/>
+          </a:xfrm>
+          <a:prstGeom prst="rect">
+            <a:avLst/>
+          </a:prstGeom>
+          <a:noFill/>
+        </p:spPr>
+        <p:txBody>
+          <a:bodyPr wrap="square">
+            <a:spAutoFit/>
+          </a:bodyPr>
+          <a:lstStyle/>
+          <a:p>
+            <a:pPr marL="0" marR="0" lvl="0" indent="0" algn="just" defTabSz="914400" rtl="0" eaLnBrk="1" fontAlgn="auto" latinLnBrk="0" hangingPunct="1">
+              <a:lnSpc>
+                <a:spcPct val="100000"/>
+              </a:lnSpc>
+              <a:spcBef>
+                <a:spcPts val="0"/>
+              </a:spcBef>
+              <a:spcAft>
+                <a:spcPts val="0"/>
+              </a:spcAft>
+              <a:buClrTx/>
+              <a:buSzTx/>
+              <a:buFontTx/>
+              <a:buNone/>
+              <a:tabLst/>
+              <a:defRPr/>
+            </a:pPr>
+            <a:r>
+              <a:rPr lang="en-US" sz="1800" dirty="0" err="1">
+                <a:latin typeface="+mj-lt"/>
+              </a:rPr>
+              <a:t>Menggunakan</a:t>
+            </a:r>
+            <a:r>
+              <a:rPr lang="en-US" sz="1800" dirty="0">
+                <a:latin typeface="+mj-lt"/>
+              </a:rPr>
+              <a:t> k-means algorithm pada </a:t>
+            </a:r>
+            <a:r>
+              <a:rPr lang="en-US" sz="1800" dirty="0" err="1">
+                <a:latin typeface="+mj-lt"/>
+              </a:rPr>
+              <a:t>penentuan</a:t>
+            </a:r>
+            <a:r>
+              <a:rPr lang="en-US" sz="1800" dirty="0">
+                <a:latin typeface="+mj-lt"/>
+              </a:rPr>
+              <a:t> clustering </a:t>
+            </a:r>
+            <a:r>
+              <a:rPr lang="en-US" sz="1800" dirty="0" err="1">
+                <a:latin typeface="+mj-lt"/>
+              </a:rPr>
+              <a:t>untuk</a:t>
+            </a:r>
+            <a:r>
+              <a:rPr lang="en-US" sz="1800" dirty="0">
+                <a:latin typeface="+mj-lt"/>
+              </a:rPr>
+              <a:t> </a:t>
+            </a:r>
+            <a:r>
+              <a:rPr lang="en-US" sz="1800" dirty="0" err="1">
+                <a:latin typeface="+mj-lt"/>
+              </a:rPr>
+              <a:t>menentukan</a:t>
+            </a:r>
+            <a:r>
+              <a:rPr lang="en-US" sz="1800" dirty="0">
+                <a:latin typeface="+mj-lt"/>
+              </a:rPr>
+              <a:t> </a:t>
+            </a:r>
+            <a:r>
+              <a:rPr lang="en-US" sz="1800" dirty="0" err="1">
+                <a:latin typeface="+mj-lt"/>
+              </a:rPr>
+              <a:t>jarak</a:t>
+            </a:r>
+            <a:r>
+              <a:rPr lang="en-US" sz="1800" dirty="0">
+                <a:latin typeface="+mj-lt"/>
+              </a:rPr>
+              <a:t> optimal </a:t>
+            </a:r>
+            <a:r>
+              <a:rPr lang="en-US" sz="1800" dirty="0" err="1">
+                <a:latin typeface="+mj-lt"/>
+              </a:rPr>
+              <a:t>dari</a:t>
+            </a:r>
+            <a:r>
+              <a:rPr lang="en-US" sz="1800" dirty="0">
+                <a:latin typeface="+mj-lt"/>
+              </a:rPr>
+              <a:t> CH </a:t>
+            </a:r>
+            <a:r>
+              <a:rPr lang="en-US" sz="1800" dirty="0" err="1">
+                <a:latin typeface="+mj-lt"/>
+              </a:rPr>
+              <a:t>terhadap</a:t>
+            </a:r>
+            <a:r>
+              <a:rPr lang="en-US" sz="1800" dirty="0">
+                <a:latin typeface="+mj-lt"/>
+              </a:rPr>
+              <a:t> adjacent node, </a:t>
+            </a:r>
+            <a:r>
+              <a:rPr lang="en-US" sz="1800" dirty="0" err="1">
+                <a:latin typeface="+mj-lt"/>
+              </a:rPr>
+              <a:t>dengan</a:t>
+            </a:r>
+            <a:r>
+              <a:rPr lang="en-US" sz="1800" dirty="0">
+                <a:latin typeface="+mj-lt"/>
+              </a:rPr>
+              <a:t> </a:t>
+            </a:r>
+            <a:r>
+              <a:rPr lang="en-US" sz="1800" dirty="0" err="1">
+                <a:latin typeface="+mj-lt"/>
+              </a:rPr>
+              <a:t>menggunakan</a:t>
+            </a:r>
+            <a:r>
+              <a:rPr lang="en-US" sz="1800" dirty="0">
+                <a:latin typeface="+mj-lt"/>
+              </a:rPr>
+              <a:t> threshold energy </a:t>
+            </a:r>
+            <a:r>
+              <a:rPr lang="en-US" sz="1800" dirty="0" err="1">
+                <a:latin typeface="+mj-lt"/>
+              </a:rPr>
+              <a:t>sebagai</a:t>
+            </a:r>
+            <a:r>
+              <a:rPr lang="en-US" sz="1800" dirty="0">
+                <a:latin typeface="+mj-lt"/>
+              </a:rPr>
+              <a:t> </a:t>
+            </a:r>
+            <a:r>
+              <a:rPr lang="en-US" sz="1800" dirty="0" err="1">
+                <a:latin typeface="+mj-lt"/>
+              </a:rPr>
+              <a:t>dalam</a:t>
+            </a:r>
+            <a:r>
+              <a:rPr lang="en-US" sz="1800" dirty="0">
+                <a:latin typeface="+mj-lt"/>
+              </a:rPr>
+              <a:t> </a:t>
+            </a:r>
+            <a:r>
+              <a:rPr lang="en-US" sz="1800" dirty="0" err="1">
+                <a:latin typeface="+mj-lt"/>
+              </a:rPr>
+              <a:t>menentukan</a:t>
+            </a:r>
+            <a:r>
+              <a:rPr lang="en-US" sz="1800" dirty="0">
+                <a:latin typeface="+mj-lt"/>
+              </a:rPr>
+              <a:t> </a:t>
+            </a:r>
+            <a:r>
+              <a:rPr lang="en-US" sz="1800" dirty="0" err="1">
+                <a:latin typeface="+mj-lt"/>
+              </a:rPr>
+              <a:t>eleksi</a:t>
+            </a:r>
+            <a:r>
+              <a:rPr lang="en-US" sz="1800" dirty="0">
+                <a:latin typeface="+mj-lt"/>
+              </a:rPr>
+              <a:t> CH.</a:t>
+            </a:r>
+            <a:endParaRPr lang="en-ID" sz="1800" dirty="0">
+              <a:latin typeface="+mj-lt"/>
+            </a:endParaRPr>
+          </a:p>
+        </p:txBody>
+      </p:sp>
       <p:pic>
         <p:nvPicPr>
-          <p:cNvPr id="8" name="Picture 7" descr="A black and white rectangular object with black text&#10;&#10;Description automatically generated">
-            <a:extLst>
-              <a:ext uri="{FF2B5EF4-FFF2-40B4-BE49-F238E27FC236}">
-                <a16:creationId xmlns:a16="http://schemas.microsoft.com/office/drawing/2014/main" id="{82F7E1B4-4194-5D63-E2E6-F31D79411ABC}"/>
+          <p:cNvPr id="3076" name="Picture 4" descr="Sensors | Free Full-Text | Sensor Clustering Using a K-Means Algorithm in  Combination with Optimized Unmanned Aerial Vehicle Trajectory in Wireless  Sensor Networks">
+            <a:extLst>
+              <a:ext uri="{FF2B5EF4-FFF2-40B4-BE49-F238E27FC236}">
+                <a16:creationId xmlns:a16="http://schemas.microsoft.com/office/drawing/2014/main" id="{1A205B72-5264-4B21-D8C6-50652F6E8B75}"/>
+              </a:ext>
+            </a:extLst>
+          </p:cNvPr>
+          <p:cNvPicPr>
+            <a:picLocks noChangeAspect="1" noChangeArrowheads="1"/>
+          </p:cNvPicPr>
+          <p:nvPr/>
+        </p:nvPicPr>
+        <p:blipFill>
+          <a:blip r:embed="rId2">
+            <a:extLst>
+              <a:ext uri="{28A0092B-C50C-407E-A947-70E740481C1C}">
+                <a14:useLocalDpi xmlns:a14="http://schemas.microsoft.com/office/drawing/2010/main" val="0"/>
+              </a:ext>
+            </a:extLst>
+          </a:blip>
+          <a:srcRect/>
+          <a:stretch>
+            <a:fillRect/>
+          </a:stretch>
+        </p:blipFill>
+        <p:spPr bwMode="auto">
+          <a:xfrm>
+            <a:off x="1245325" y="1678802"/>
+            <a:ext cx="3479681" cy="2576658"/>
+          </a:xfrm>
+          <a:prstGeom prst="rect">
+            <a:avLst/>
+          </a:prstGeom>
+          <a:noFill/>
+          <a:extLst>
+            <a:ext uri="{909E8E84-426E-40DD-AFC4-6F175D3DCCD1}">
+              <a14:hiddenFill xmlns:a14="http://schemas.microsoft.com/office/drawing/2010/main">
+                <a:solidFill>
+                  <a:srgbClr val="FFFFFF"/>
+                </a:solidFill>
+              </a14:hiddenFill>
+            </a:ext>
+          </a:extLst>
+        </p:spPr>
+      </p:pic>
+      <p:pic>
+        <p:nvPicPr>
+          <p:cNvPr id="14" name="Picture 13">
+            <a:extLst>
+              <a:ext uri="{FF2B5EF4-FFF2-40B4-BE49-F238E27FC236}">
+                <a16:creationId xmlns:a16="http://schemas.microsoft.com/office/drawing/2014/main" id="{6B3A3E83-4362-9007-36C8-D8878108B817}"/>
               </a:ext>
             </a:extLst>
           </p:cNvPr>
@@ -14278,33 +16080,26 @@
           </p:cNvPicPr>
           <p:nvPr/>
         </p:nvPicPr>
-        <p:blipFill rotWithShape="1">
-          <a:blip r:embed="rId2"/>
-          <a:srcRect b="7017"/>
-          <a:stretch/>
+        <p:blipFill>
+          <a:blip r:embed="rId3"/>
+          <a:stretch>
+            <a:fillRect/>
+          </a:stretch>
         </p:blipFill>
-        <p:spPr bwMode="auto">
+        <p:spPr>
           <a:xfrm>
-            <a:off x="3619817" y="2882900"/>
-            <a:ext cx="4952365" cy="1092200"/>
+            <a:off x="4802839" y="1593881"/>
+            <a:ext cx="3836064" cy="2590490"/>
           </a:xfrm>
           <a:prstGeom prst="rect">
             <a:avLst/>
           </a:prstGeom>
-          <a:ln>
-            <a:noFill/>
-          </a:ln>
-          <a:extLst>
-            <a:ext uri="{53640926-AAD7-44D8-BBD7-CCE9431645EC}">
-              <a14:shadowObscured xmlns:a14="http://schemas.microsoft.com/office/drawing/2010/main"/>
-            </a:ext>
-          </a:extLst>
         </p:spPr>
       </p:pic>
     </p:spTree>
     <p:extLst>
       <p:ext uri="{BB962C8B-B14F-4D97-AF65-F5344CB8AC3E}">
-        <p14:creationId xmlns:p14="http://schemas.microsoft.com/office/powerpoint/2010/main" val="2179084070"/>
+        <p14:creationId xmlns:p14="http://schemas.microsoft.com/office/powerpoint/2010/main" val="4070155250"/>
       </p:ext>
     </p:extLst>
   </p:cSld>
@@ -14336,7 +16131,7 @@
           <p:cNvPr id="2" name="Title 1">
             <a:extLst>
               <a:ext uri="{FF2B5EF4-FFF2-40B4-BE49-F238E27FC236}">
-                <a16:creationId xmlns:a16="http://schemas.microsoft.com/office/drawing/2014/main" id="{7399AF58-0B1B-D4ED-11BC-D11523B5101A}"/>
+                <a16:creationId xmlns:a16="http://schemas.microsoft.com/office/drawing/2014/main" id="{F4A3B13E-8055-B30E-84BA-F4A5285D0922}"/>
               </a:ext>
             </a:extLst>
           </p:cNvPr>
@@ -14354,7 +16149,7 @@
           <a:p>
             <a:r>
               <a:rPr lang="en-US" dirty="0"/>
-              <a:t>ENERGY MODEL</a:t>
+              <a:t>STATE OF THE ART (2)</a:t>
             </a:r>
             <a:endParaRPr lang="en-ID" dirty="0"/>
           </a:p>
@@ -14365,7 +16160,7 @@
           <p:cNvPr id="4" name="Date Placeholder 3">
             <a:extLst>
               <a:ext uri="{FF2B5EF4-FFF2-40B4-BE49-F238E27FC236}">
-                <a16:creationId xmlns:a16="http://schemas.microsoft.com/office/drawing/2014/main" id="{E19F906E-3B91-3128-158A-6D73EDCD954F}"/>
+                <a16:creationId xmlns:a16="http://schemas.microsoft.com/office/drawing/2014/main" id="{D5E3EA8E-4711-61DC-5FAB-404B31DC2559}"/>
               </a:ext>
             </a:extLst>
           </p:cNvPr>
@@ -14376,46 +16171,23 @@
             <p:ph type="dt" sz="half" idx="2"/>
           </p:nvPr>
         </p:nvSpPr>
-        <p:spPr/>
+        <p:spPr>
+          <a:xfrm>
+            <a:off x="380999" y="6356350"/>
+            <a:ext cx="7866017" cy="365125"/>
+          </a:xfrm>
+        </p:spPr>
         <p:txBody>
           <a:bodyPr/>
           <a:lstStyle/>
           <a:p>
-            <a:fld id="{DD9C8446-696E-6942-B6C8-CC9CAD0B34E0}" type="datetime1">
-              <a:rPr lang="en-US" smtClean="0"/>
-              <a:pPr/>
-              <a:t>10/5/2023</a:t>
-            </a:fld>
-            <a:endParaRPr lang="en-US" dirty="0"/>
-          </a:p>
-        </p:txBody>
-      </p:sp>
-      <p:sp>
-        <p:nvSpPr>
-          <p:cNvPr id="5" name="Footer Placeholder 4">
-            <a:extLst>
-              <a:ext uri="{FF2B5EF4-FFF2-40B4-BE49-F238E27FC236}">
-                <a16:creationId xmlns:a16="http://schemas.microsoft.com/office/drawing/2014/main" id="{842AE9D8-FC38-065E-FAF2-60EA5D7096AA}"/>
-              </a:ext>
-            </a:extLst>
-          </p:cNvPr>
-          <p:cNvSpPr>
-            <a:spLocks noGrp="1"/>
-          </p:cNvSpPr>
-          <p:nvPr>
-            <p:ph type="ftr" sz="quarter" idx="3"/>
-          </p:nvPr>
-        </p:nvSpPr>
-        <p:spPr/>
-        <p:txBody>
-          <a:bodyPr/>
-          <a:lstStyle/>
-          <a:p>
-            <a:r>
-              <a:rPr lang="en-US"/>
-              <a:t>PRESENTATION TITLE</a:t>
-            </a:r>
-            <a:endParaRPr lang="en-US" dirty="0"/>
+            <a:r>
+              <a:rPr lang="en-US" sz="900" dirty="0">
+                <a:latin typeface="Times New Roman" panose="02020603050405020304" pitchFamily="18" charset="0"/>
+                <a:cs typeface="Times New Roman" panose="02020603050405020304" pitchFamily="18" charset="0"/>
+              </a:rPr>
+              <a:t>[5] Mahmood, Tariq, et al. "An intelligent fault detection approach based on reinforcement learning system in wireless sensor network." The Journal of Supercomputing 78.3 (2022): 3646-3675.</a:t>
+            </a:r>
           </a:p>
         </p:txBody>
       </p:sp>
@@ -14424,7 +16196,7 @@
           <p:cNvPr id="6" name="Slide Number Placeholder 5">
             <a:extLst>
               <a:ext uri="{FF2B5EF4-FFF2-40B4-BE49-F238E27FC236}">
-                <a16:creationId xmlns:a16="http://schemas.microsoft.com/office/drawing/2014/main" id="{DDD415ED-1357-1689-1DE5-FDA6CA8CF6A6}"/>
+                <a16:creationId xmlns:a16="http://schemas.microsoft.com/office/drawing/2014/main" id="{C4ADC834-F6FF-4001-56E0-15BD344519C2}"/>
               </a:ext>
             </a:extLst>
           </p:cNvPr>
@@ -14451,10 +16223,10 @@
       </p:sp>
       <p:pic>
         <p:nvPicPr>
-          <p:cNvPr id="8" name="Picture 7">
-            <a:extLst>
-              <a:ext uri="{FF2B5EF4-FFF2-40B4-BE49-F238E27FC236}">
-                <a16:creationId xmlns:a16="http://schemas.microsoft.com/office/drawing/2014/main" id="{3AC81741-61E8-1FEF-DF13-A0285BFCC04D}"/>
+          <p:cNvPr id="15" name="Picture 14">
+            <a:extLst>
+              <a:ext uri="{FF2B5EF4-FFF2-40B4-BE49-F238E27FC236}">
+                <a16:creationId xmlns:a16="http://schemas.microsoft.com/office/drawing/2014/main" id="{1EC77607-4F72-2035-1EDA-66966F22D93E}"/>
               </a:ext>
             </a:extLst>
           </p:cNvPr>
@@ -14471,8 +16243,128 @@
         </p:blipFill>
         <p:spPr>
           <a:xfrm>
-            <a:off x="1402623" y="2278402"/>
-            <a:ext cx="8040222" cy="3191320"/>
+            <a:off x="1167492" y="1706563"/>
+            <a:ext cx="3312007" cy="3252981"/>
+          </a:xfrm>
+          <a:prstGeom prst="rect">
+            <a:avLst/>
+          </a:prstGeom>
+        </p:spPr>
+      </p:pic>
+      <p:pic>
+        <p:nvPicPr>
+          <p:cNvPr id="17" name="Picture 16">
+            <a:extLst>
+              <a:ext uri="{FF2B5EF4-FFF2-40B4-BE49-F238E27FC236}">
+                <a16:creationId xmlns:a16="http://schemas.microsoft.com/office/drawing/2014/main" id="{580D4DBB-5E4E-8DAF-E41D-9F88A0237B30}"/>
+              </a:ext>
+            </a:extLst>
+          </p:cNvPr>
+          <p:cNvPicPr>
+            <a:picLocks noChangeAspect="1"/>
+          </p:cNvPicPr>
+          <p:nvPr/>
+        </p:nvPicPr>
+        <p:blipFill>
+          <a:blip r:embed="rId3"/>
+          <a:stretch>
+            <a:fillRect/>
+          </a:stretch>
+        </p:blipFill>
+        <p:spPr>
+          <a:xfrm>
+            <a:off x="4872977" y="4086763"/>
+            <a:ext cx="4115374" cy="724001"/>
+          </a:xfrm>
+          <a:prstGeom prst="rect">
+            <a:avLst/>
+          </a:prstGeom>
+        </p:spPr>
+      </p:pic>
+      <p:pic>
+        <p:nvPicPr>
+          <p:cNvPr id="18" name="Picture 17">
+            <a:extLst>
+              <a:ext uri="{FF2B5EF4-FFF2-40B4-BE49-F238E27FC236}">
+                <a16:creationId xmlns:a16="http://schemas.microsoft.com/office/drawing/2014/main" id="{52BC9DDE-6EBA-D634-7629-699D18163A10}"/>
+              </a:ext>
+            </a:extLst>
+          </p:cNvPr>
+          <p:cNvPicPr>
+            <a:picLocks noChangeAspect="1"/>
+          </p:cNvPicPr>
+          <p:nvPr/>
+        </p:nvPicPr>
+        <p:blipFill>
+          <a:blip r:embed="rId4"/>
+          <a:stretch>
+            <a:fillRect/>
+          </a:stretch>
+        </p:blipFill>
+        <p:spPr>
+          <a:xfrm>
+            <a:off x="4872977" y="4757778"/>
+            <a:ext cx="3467584" cy="819264"/>
+          </a:xfrm>
+          <a:prstGeom prst="rect">
+            <a:avLst/>
+          </a:prstGeom>
+        </p:spPr>
+      </p:pic>
+      <p:pic>
+        <p:nvPicPr>
+          <p:cNvPr id="19" name="Picture 18">
+            <a:extLst>
+              <a:ext uri="{FF2B5EF4-FFF2-40B4-BE49-F238E27FC236}">
+                <a16:creationId xmlns:a16="http://schemas.microsoft.com/office/drawing/2014/main" id="{7079481A-90F9-891F-9F60-810E8879466F}"/>
+              </a:ext>
+            </a:extLst>
+          </p:cNvPr>
+          <p:cNvPicPr>
+            <a:picLocks noChangeAspect="1"/>
+          </p:cNvPicPr>
+          <p:nvPr/>
+        </p:nvPicPr>
+        <p:blipFill>
+          <a:blip r:embed="rId5"/>
+          <a:stretch>
+            <a:fillRect/>
+          </a:stretch>
+        </p:blipFill>
+        <p:spPr>
+          <a:xfrm>
+            <a:off x="4566555" y="1806519"/>
+            <a:ext cx="2939381" cy="2160000"/>
+          </a:xfrm>
+          <a:prstGeom prst="rect">
+            <a:avLst/>
+          </a:prstGeom>
+        </p:spPr>
+      </p:pic>
+      <p:pic>
+        <p:nvPicPr>
+          <p:cNvPr id="20" name="Picture 19">
+            <a:extLst>
+              <a:ext uri="{FF2B5EF4-FFF2-40B4-BE49-F238E27FC236}">
+                <a16:creationId xmlns:a16="http://schemas.microsoft.com/office/drawing/2014/main" id="{74128778-D8B3-E210-05C3-6D1B9290D4D6}"/>
+              </a:ext>
+            </a:extLst>
+          </p:cNvPr>
+          <p:cNvPicPr>
+            <a:picLocks noChangeAspect="1"/>
+          </p:cNvPicPr>
+          <p:nvPr/>
+        </p:nvPicPr>
+        <p:blipFill>
+          <a:blip r:embed="rId6"/>
+          <a:stretch>
+            <a:fillRect/>
+          </a:stretch>
+        </p:blipFill>
+        <p:spPr>
+          <a:xfrm>
+            <a:off x="7505936" y="1646052"/>
+            <a:ext cx="3075916" cy="2385404"/>
           </a:xfrm>
           <a:prstGeom prst="rect">
             <a:avLst/>
@@ -14482,7 +16374,7 @@
     </p:spTree>
     <p:extLst>
       <p:ext uri="{BB962C8B-B14F-4D97-AF65-F5344CB8AC3E}">
-        <p14:creationId xmlns:p14="http://schemas.microsoft.com/office/powerpoint/2010/main" val="589986335"/>
+        <p14:creationId xmlns:p14="http://schemas.microsoft.com/office/powerpoint/2010/main" val="1446772658"/>
       </p:ext>
     </p:extLst>
   </p:cSld>
@@ -14514,7 +16406,7 @@
           <p:cNvPr id="2" name="Title 1">
             <a:extLst>
               <a:ext uri="{FF2B5EF4-FFF2-40B4-BE49-F238E27FC236}">
-                <a16:creationId xmlns:a16="http://schemas.microsoft.com/office/drawing/2014/main" id="{7399AF58-0B1B-D4ED-11BC-D11523B5101A}"/>
+                <a16:creationId xmlns:a16="http://schemas.microsoft.com/office/drawing/2014/main" id="{F4A3B13E-8055-B30E-84BA-F4A5285D0922}"/>
               </a:ext>
             </a:extLst>
           </p:cNvPr>
@@ -14530,6 +16422,10 @@
           <a:bodyPr/>
           <a:lstStyle/>
           <a:p>
+            <a:r>
+              <a:rPr lang="en-US" dirty="0"/>
+              <a:t>STATE OF THE ART (3)</a:t>
+            </a:r>
             <a:endParaRPr lang="en-ID" dirty="0"/>
           </a:p>
         </p:txBody>
@@ -14539,7 +16435,7 @@
           <p:cNvPr id="4" name="Date Placeholder 3">
             <a:extLst>
               <a:ext uri="{FF2B5EF4-FFF2-40B4-BE49-F238E27FC236}">
-                <a16:creationId xmlns:a16="http://schemas.microsoft.com/office/drawing/2014/main" id="{E19F906E-3B91-3128-158A-6D73EDCD954F}"/>
+                <a16:creationId xmlns:a16="http://schemas.microsoft.com/office/drawing/2014/main" id="{D5E3EA8E-4711-61DC-5FAB-404B31DC2559}"/>
               </a:ext>
             </a:extLst>
           </p:cNvPr>
@@ -14550,46 +16446,65 @@
             <p:ph type="dt" sz="half" idx="2"/>
           </p:nvPr>
         </p:nvSpPr>
-        <p:spPr/>
+        <p:spPr>
+          <a:xfrm>
+            <a:off x="380999" y="6356350"/>
+            <a:ext cx="7866017" cy="365125"/>
+          </a:xfrm>
+        </p:spPr>
         <p:txBody>
           <a:bodyPr/>
           <a:lstStyle/>
           <a:p>
-            <a:fld id="{DD9C8446-696E-6942-B6C8-CC9CAD0B34E0}" type="datetime1">
-              <a:rPr lang="en-US" smtClean="0"/>
-              <a:pPr/>
-              <a:t>10/5/2023</a:t>
-            </a:fld>
-            <a:endParaRPr lang="en-US" dirty="0"/>
-          </a:p>
-        </p:txBody>
-      </p:sp>
-      <p:sp>
-        <p:nvSpPr>
-          <p:cNvPr id="5" name="Footer Placeholder 4">
-            <a:extLst>
-              <a:ext uri="{FF2B5EF4-FFF2-40B4-BE49-F238E27FC236}">
-                <a16:creationId xmlns:a16="http://schemas.microsoft.com/office/drawing/2014/main" id="{842AE9D8-FC38-065E-FAF2-60EA5D7096AA}"/>
-              </a:ext>
-            </a:extLst>
-          </p:cNvPr>
-          <p:cNvSpPr>
-            <a:spLocks noGrp="1"/>
-          </p:cNvSpPr>
-          <p:nvPr>
-            <p:ph type="ftr" sz="quarter" idx="3"/>
-          </p:nvPr>
-        </p:nvSpPr>
-        <p:spPr/>
-        <p:txBody>
-          <a:bodyPr/>
-          <a:lstStyle/>
-          <a:p>
-            <a:r>
-              <a:rPr lang="en-US"/>
-              <a:t>PRESENTATION TITLE</a:t>
-            </a:r>
-            <a:endParaRPr lang="en-US" dirty="0"/>
+            <a:r>
+              <a:rPr lang="en-US" sz="900" dirty="0">
+                <a:latin typeface="Times New Roman" panose="02020603050405020304" pitchFamily="18" charset="0"/>
+                <a:cs typeface="Times New Roman" panose="02020603050405020304" pitchFamily="18" charset="0"/>
+              </a:rPr>
+              <a:t>[6] Kurniawan, Dwi Widodo Heru, </a:t>
+            </a:r>
+            <a:r>
+              <a:rPr lang="en-US" sz="900" dirty="0" err="1">
+                <a:latin typeface="Times New Roman" panose="02020603050405020304" pitchFamily="18" charset="0"/>
+                <a:cs typeface="Times New Roman" panose="02020603050405020304" pitchFamily="18" charset="0"/>
+              </a:rPr>
+              <a:t>Adit</a:t>
+            </a:r>
+            <a:r>
+              <a:rPr lang="en-US" sz="900" dirty="0">
+                <a:latin typeface="Times New Roman" panose="02020603050405020304" pitchFamily="18" charset="0"/>
+                <a:cs typeface="Times New Roman" panose="02020603050405020304" pitchFamily="18" charset="0"/>
+              </a:rPr>
+              <a:t> Kurniawan, and M. </a:t>
+            </a:r>
+            <a:r>
+              <a:rPr lang="en-US" sz="900" dirty="0" err="1">
+                <a:latin typeface="Times New Roman" panose="02020603050405020304" pitchFamily="18" charset="0"/>
+                <a:cs typeface="Times New Roman" panose="02020603050405020304" pitchFamily="18" charset="0"/>
+              </a:rPr>
+              <a:t>Sigit</a:t>
+            </a:r>
+            <a:r>
+              <a:rPr lang="en-US" sz="900" dirty="0">
+                <a:latin typeface="Times New Roman" panose="02020603050405020304" pitchFamily="18" charset="0"/>
+                <a:cs typeface="Times New Roman" panose="02020603050405020304" pitchFamily="18" charset="0"/>
+              </a:rPr>
+              <a:t> </a:t>
+            </a:r>
+            <a:r>
+              <a:rPr lang="en-US" sz="900" dirty="0" err="1">
+                <a:latin typeface="Times New Roman" panose="02020603050405020304" pitchFamily="18" charset="0"/>
+                <a:cs typeface="Times New Roman" panose="02020603050405020304" pitchFamily="18" charset="0"/>
+              </a:rPr>
+              <a:t>Arifianto</a:t>
+            </a:r>
+            <a:r>
+              <a:rPr lang="en-US" sz="900" dirty="0">
+                <a:latin typeface="Times New Roman" panose="02020603050405020304" pitchFamily="18" charset="0"/>
+                <a:cs typeface="Times New Roman" panose="02020603050405020304" pitchFamily="18" charset="0"/>
+              </a:rPr>
+              <a:t>. "Transmission Power Management of LEACH Wireless Sensor Network Cluster Using Multi-Agents Reinforcement Learning Power Control." International Journal on Electrical Engineering and Informatics 13.3 (2021): 566-580.</a:t>
+            </a:r>
           </a:p>
         </p:txBody>
       </p:sp>
@@ -14598,7 +16513,7 @@
           <p:cNvPr id="6" name="Slide Number Placeholder 5">
             <a:extLst>
               <a:ext uri="{FF2B5EF4-FFF2-40B4-BE49-F238E27FC236}">
-                <a16:creationId xmlns:a16="http://schemas.microsoft.com/office/drawing/2014/main" id="{DDD415ED-1357-1689-1DE5-FDA6CA8CF6A6}"/>
+                <a16:creationId xmlns:a16="http://schemas.microsoft.com/office/drawing/2014/main" id="{C4ADC834-F6FF-4001-56E0-15BD344519C2}"/>
               </a:ext>
             </a:extLst>
           </p:cNvPr>
@@ -14625,10 +16540,10 @@
       </p:sp>
       <p:pic>
         <p:nvPicPr>
-          <p:cNvPr id="3" name="Picture 2" descr="A black and white rectangular object with black text&#10;&#10;Description automatically generated">
-            <a:extLst>
-              <a:ext uri="{FF2B5EF4-FFF2-40B4-BE49-F238E27FC236}">
-                <a16:creationId xmlns:a16="http://schemas.microsoft.com/office/drawing/2014/main" id="{85B8FAE3-9D5D-E232-6A9B-45F81ABC4572}"/>
+          <p:cNvPr id="3" name="Picture 2">
+            <a:extLst>
+              <a:ext uri="{FF2B5EF4-FFF2-40B4-BE49-F238E27FC236}">
+                <a16:creationId xmlns:a16="http://schemas.microsoft.com/office/drawing/2014/main" id="{85213177-7AC5-70CD-5033-9DEAFB7D00D1}"/>
               </a:ext>
             </a:extLst>
           </p:cNvPr>
@@ -14637,33 +16552,146 @@
           </p:cNvPicPr>
           <p:nvPr/>
         </p:nvPicPr>
-        <p:blipFill rotWithShape="1">
+        <p:blipFill>
           <a:blip r:embed="rId2"/>
-          <a:srcRect b="7017"/>
-          <a:stretch/>
+          <a:stretch>
+            <a:fillRect/>
+          </a:stretch>
         </p:blipFill>
-        <p:spPr bwMode="auto">
+        <p:spPr>
           <a:xfrm>
-            <a:off x="1167492" y="2221049"/>
-            <a:ext cx="4952365" cy="1092200"/>
+            <a:off x="1167492" y="1864088"/>
+            <a:ext cx="3736067" cy="2201885"/>
           </a:xfrm>
           <a:prstGeom prst="rect">
             <a:avLst/>
           </a:prstGeom>
-          <a:ln>
-            <a:noFill/>
-          </a:ln>
-          <a:extLst>
-            <a:ext uri="{53640926-AAD7-44D8-BBD7-CCE9431645EC}">
-              <a14:shadowObscured xmlns:a14="http://schemas.microsoft.com/office/drawing/2010/main"/>
-            </a:ext>
-          </a:extLst>
+        </p:spPr>
+      </p:pic>
+      <p:pic>
+        <p:nvPicPr>
+          <p:cNvPr id="11" name="Picture 10">
+            <a:extLst>
+              <a:ext uri="{FF2B5EF4-FFF2-40B4-BE49-F238E27FC236}">
+                <a16:creationId xmlns:a16="http://schemas.microsoft.com/office/drawing/2014/main" id="{F919F43E-965F-AF9C-9689-D07FD1B1BD9E}"/>
+              </a:ext>
+            </a:extLst>
+          </p:cNvPr>
+          <p:cNvPicPr>
+            <a:picLocks noChangeAspect="1"/>
+          </p:cNvPicPr>
+          <p:nvPr/>
+        </p:nvPicPr>
+        <p:blipFill>
+          <a:blip r:embed="rId3"/>
+          <a:stretch>
+            <a:fillRect/>
+          </a:stretch>
+        </p:blipFill>
+        <p:spPr>
+          <a:xfrm>
+            <a:off x="5395232" y="2460806"/>
+            <a:ext cx="3677163" cy="1419423"/>
+          </a:xfrm>
+          <a:prstGeom prst="rect">
+            <a:avLst/>
+          </a:prstGeom>
+        </p:spPr>
+      </p:pic>
+      <p:pic>
+        <p:nvPicPr>
+          <p:cNvPr id="12" name="Picture 11">
+            <a:extLst>
+              <a:ext uri="{FF2B5EF4-FFF2-40B4-BE49-F238E27FC236}">
+                <a16:creationId xmlns:a16="http://schemas.microsoft.com/office/drawing/2014/main" id="{70B21801-1528-0D8A-3CA1-9C3E653487A0}"/>
+              </a:ext>
+            </a:extLst>
+          </p:cNvPr>
+          <p:cNvPicPr>
+            <a:picLocks noChangeAspect="1"/>
+          </p:cNvPicPr>
+          <p:nvPr/>
+        </p:nvPicPr>
+        <p:blipFill>
+          <a:blip r:embed="rId4"/>
+          <a:stretch>
+            <a:fillRect/>
+          </a:stretch>
+        </p:blipFill>
+        <p:spPr>
+          <a:xfrm>
+            <a:off x="5434149" y="1996025"/>
+            <a:ext cx="2629267" cy="419158"/>
+          </a:xfrm>
+          <a:prstGeom prst="rect">
+            <a:avLst/>
+          </a:prstGeom>
+        </p:spPr>
+      </p:pic>
+      <p:pic>
+        <p:nvPicPr>
+          <p:cNvPr id="13" name="Picture 12">
+            <a:extLst>
+              <a:ext uri="{FF2B5EF4-FFF2-40B4-BE49-F238E27FC236}">
+                <a16:creationId xmlns:a16="http://schemas.microsoft.com/office/drawing/2014/main" id="{AA71299E-C26C-F9E5-A37C-4B5F4472AEF7}"/>
+              </a:ext>
+            </a:extLst>
+          </p:cNvPr>
+          <p:cNvPicPr>
+            <a:picLocks noChangeAspect="1"/>
+          </p:cNvPicPr>
+          <p:nvPr/>
+        </p:nvPicPr>
+        <p:blipFill>
+          <a:blip r:embed="rId5"/>
+          <a:stretch>
+            <a:fillRect/>
+          </a:stretch>
+        </p:blipFill>
+        <p:spPr>
+          <a:xfrm>
+            <a:off x="1245325" y="4132794"/>
+            <a:ext cx="3802195" cy="1970991"/>
+          </a:xfrm>
+          <a:prstGeom prst="rect">
+            <a:avLst/>
+          </a:prstGeom>
+        </p:spPr>
+      </p:pic>
+      <p:pic>
+        <p:nvPicPr>
+          <p:cNvPr id="14" name="Picture 13">
+            <a:extLst>
+              <a:ext uri="{FF2B5EF4-FFF2-40B4-BE49-F238E27FC236}">
+                <a16:creationId xmlns:a16="http://schemas.microsoft.com/office/drawing/2014/main" id="{E64109AE-A98D-E2DE-6475-6FAC4BA8A97F}"/>
+              </a:ext>
+            </a:extLst>
+          </p:cNvPr>
+          <p:cNvPicPr>
+            <a:picLocks noChangeAspect="1"/>
+          </p:cNvPicPr>
+          <p:nvPr/>
+        </p:nvPicPr>
+        <p:blipFill>
+          <a:blip r:embed="rId6"/>
+          <a:stretch>
+            <a:fillRect/>
+          </a:stretch>
+        </p:blipFill>
+        <p:spPr>
+          <a:xfrm>
+            <a:off x="5150253" y="4065973"/>
+            <a:ext cx="2879073" cy="1847147"/>
+          </a:xfrm>
+          <a:prstGeom prst="rect">
+            <a:avLst/>
+          </a:prstGeom>
         </p:spPr>
       </p:pic>
     </p:spTree>
     <p:extLst>
       <p:ext uri="{BB962C8B-B14F-4D97-AF65-F5344CB8AC3E}">
-        <p14:creationId xmlns:p14="http://schemas.microsoft.com/office/powerpoint/2010/main" val="3568453930"/>
+        <p14:creationId xmlns:p14="http://schemas.microsoft.com/office/powerpoint/2010/main" val="707461798"/>
       </p:ext>
     </p:extLst>
   </p:cSld>
@@ -14695,7 +16723,7 @@
           <p:cNvPr id="2" name="Title 1">
             <a:extLst>
               <a:ext uri="{FF2B5EF4-FFF2-40B4-BE49-F238E27FC236}">
-                <a16:creationId xmlns:a16="http://schemas.microsoft.com/office/drawing/2014/main" id="{69FAE308-3076-43DB-B834-DA0B0AE19AF9}"/>
+                <a16:creationId xmlns:a16="http://schemas.microsoft.com/office/drawing/2014/main" id="{F4A3B13E-8055-B30E-84BA-F4A5285D0922}"/>
               </a:ext>
             </a:extLst>
           </p:cNvPr>
@@ -14703,32 +16731,28 @@
             <a:spLocks noGrp="1"/>
           </p:cNvSpPr>
           <p:nvPr>
-            <p:ph type="ctrTitle"/>
+            <p:ph type="title"/>
           </p:nvPr>
         </p:nvSpPr>
-        <p:spPr>
-          <a:xfrm>
-            <a:off x="1167494" y="1122363"/>
-            <a:ext cx="6220278" cy="2387600"/>
-          </a:xfrm>
-        </p:spPr>
+        <p:spPr/>
         <p:txBody>
           <a:bodyPr/>
           <a:lstStyle/>
           <a:p>
             <a:r>
               <a:rPr lang="en-US" dirty="0"/>
-              <a:t>Thank you</a:t>
-            </a:r>
-          </a:p>
-        </p:txBody>
-      </p:sp>
-      <p:sp>
-        <p:nvSpPr>
-          <p:cNvPr id="3" name="Content Placeholder 2">
-            <a:extLst>
-              <a:ext uri="{FF2B5EF4-FFF2-40B4-BE49-F238E27FC236}">
-                <a16:creationId xmlns:a16="http://schemas.microsoft.com/office/drawing/2014/main" id="{BABC2CE0-8806-4B2A-A10A-32984D317434}"/>
+              <a:t>STATE OF THE ART (4)</a:t>
+            </a:r>
+            <a:endParaRPr lang="en-ID" dirty="0"/>
+          </a:p>
+        </p:txBody>
+      </p:sp>
+      <p:sp>
+        <p:nvSpPr>
+          <p:cNvPr id="4" name="Date Placeholder 3">
+            <a:extLst>
+              <a:ext uri="{FF2B5EF4-FFF2-40B4-BE49-F238E27FC236}">
+                <a16:creationId xmlns:a16="http://schemas.microsoft.com/office/drawing/2014/main" id="{D5E3EA8E-4711-61DC-5FAB-404B31DC2559}"/>
               </a:ext>
             </a:extLst>
           </p:cNvPr>
@@ -14736,44 +16760,949 @@
             <a:spLocks noGrp="1"/>
           </p:cNvSpPr>
           <p:nvPr>
-            <p:ph type="subTitle" idx="1"/>
+            <p:ph type="dt" sz="half" idx="2"/>
           </p:nvPr>
         </p:nvSpPr>
         <p:spPr>
           <a:xfrm>
-            <a:off x="1167493" y="3602038"/>
-            <a:ext cx="6220277" cy="2247219"/>
+            <a:off x="380999" y="6356350"/>
+            <a:ext cx="7866017" cy="365125"/>
           </a:xfrm>
         </p:spPr>
         <p:txBody>
-          <a:bodyPr>
-            <a:normAutofit/>
+          <a:bodyPr/>
+          <a:lstStyle/>
+          <a:p>
+            <a:r>
+              <a:rPr lang="en-US" sz="900" dirty="0">
+                <a:latin typeface="Times New Roman" panose="02020603050405020304" pitchFamily="18" charset="0"/>
+                <a:cs typeface="Times New Roman" panose="02020603050405020304" pitchFamily="18" charset="0"/>
+              </a:rPr>
+              <a:t>[7] Kaur, </a:t>
+            </a:r>
+            <a:r>
+              <a:rPr lang="en-US" sz="900" dirty="0" err="1">
+                <a:latin typeface="Times New Roman" panose="02020603050405020304" pitchFamily="18" charset="0"/>
+                <a:cs typeface="Times New Roman" panose="02020603050405020304" pitchFamily="18" charset="0"/>
+              </a:rPr>
+              <a:t>Navpreet</a:t>
+            </a:r>
+            <a:r>
+              <a:rPr lang="en-US" sz="900" dirty="0">
+                <a:latin typeface="Times New Roman" panose="02020603050405020304" pitchFamily="18" charset="0"/>
+                <a:cs typeface="Times New Roman" panose="02020603050405020304" pitchFamily="18" charset="0"/>
+              </a:rPr>
+              <a:t>, and </a:t>
+            </a:r>
+            <a:r>
+              <a:rPr lang="en-US" sz="900" dirty="0" err="1">
+                <a:latin typeface="Times New Roman" panose="02020603050405020304" pitchFamily="18" charset="0"/>
+                <a:cs typeface="Times New Roman" panose="02020603050405020304" pitchFamily="18" charset="0"/>
+              </a:rPr>
+              <a:t>Inderdeep</a:t>
+            </a:r>
+            <a:r>
+              <a:rPr lang="en-US" sz="900" dirty="0">
+                <a:latin typeface="Times New Roman" panose="02020603050405020304" pitchFamily="18" charset="0"/>
+                <a:cs typeface="Times New Roman" panose="02020603050405020304" pitchFamily="18" charset="0"/>
+              </a:rPr>
+              <a:t> Kaur Aulakh. "An Energy Efficient Reinforcement Learning Based Clustering Approach for Wireless Sensor Network." EAI Endorsed Transactions on Scalable Information Systems 8.31 (2021): e6-e6.</a:t>
+            </a:r>
+          </a:p>
+        </p:txBody>
+      </p:sp>
+      <p:sp>
+        <p:nvSpPr>
+          <p:cNvPr id="6" name="Slide Number Placeholder 5">
+            <a:extLst>
+              <a:ext uri="{FF2B5EF4-FFF2-40B4-BE49-F238E27FC236}">
+                <a16:creationId xmlns:a16="http://schemas.microsoft.com/office/drawing/2014/main" id="{C4ADC834-F6FF-4001-56E0-15BD344519C2}"/>
+              </a:ext>
+            </a:extLst>
+          </p:cNvPr>
+          <p:cNvSpPr>
+            <a:spLocks noGrp="1"/>
+          </p:cNvSpPr>
+          <p:nvPr>
+            <p:ph type="sldNum" sz="quarter" idx="4"/>
+          </p:nvPr>
+        </p:nvSpPr>
+        <p:spPr/>
+        <p:txBody>
+          <a:bodyPr/>
+          <a:lstStyle/>
+          <a:p>
+            <a:fld id="{294A09A9-5501-47C1-A89A-A340965A2BE2}" type="slidenum">
+              <a:rPr lang="en-US" smtClean="0"/>
+              <a:pPr/>
+              <a:t>8</a:t>
+            </a:fld>
+            <a:endParaRPr lang="en-US" dirty="0"/>
+          </a:p>
+        </p:txBody>
+      </p:sp>
+      <p:sp>
+        <p:nvSpPr>
+          <p:cNvPr id="5" name="TextBox 4">
+            <a:extLst>
+              <a:ext uri="{FF2B5EF4-FFF2-40B4-BE49-F238E27FC236}">
+                <a16:creationId xmlns:a16="http://schemas.microsoft.com/office/drawing/2014/main" id="{2D674A30-B8CF-E892-8429-C7EFDEE53189}"/>
+              </a:ext>
+            </a:extLst>
+          </p:cNvPr>
+          <p:cNvSpPr txBox="1"/>
+          <p:nvPr/>
+        </p:nvSpPr>
+        <p:spPr>
+          <a:xfrm>
+            <a:off x="6261463" y="1834064"/>
+            <a:ext cx="4952140" cy="1754326"/>
+          </a:xfrm>
+          <a:prstGeom prst="rect">
+            <a:avLst/>
+          </a:prstGeom>
+          <a:noFill/>
+        </p:spPr>
+        <p:txBody>
+          <a:bodyPr wrap="square">
+            <a:spAutoFit/>
           </a:bodyPr>
           <a:lstStyle/>
           <a:p>
-            <a:r>
-              <a:rPr lang="en-US" dirty="0"/>
-              <a:t>Mirjam Nilsson​</a:t>
-            </a:r>
-          </a:p>
-          <a:p>
-            <a:r>
-              <a:rPr lang="en-US" dirty="0"/>
-              <a:t>mirjam@contoso.com</a:t>
-            </a:r>
-          </a:p>
-          <a:p>
-            <a:r>
-              <a:rPr lang="en-US" dirty="0"/>
-              <a:t>www.contoso.com</a:t>
-            </a:r>
-          </a:p>
-        </p:txBody>
-      </p:sp>
+            <a:pPr algn="just"/>
+            <a:r>
+              <a:rPr lang="en-US" i="0" dirty="0" err="1">
+                <a:solidFill>
+                  <a:srgbClr val="2E2E2E"/>
+                </a:solidFill>
+                <a:effectLst/>
+                <a:latin typeface="Arial" panose="020B0604020202020204" pitchFamily="34" charset="0"/>
+              </a:rPr>
+              <a:t>Menggunakan</a:t>
+            </a:r>
+            <a:r>
+              <a:rPr lang="en-US" i="0" dirty="0">
+                <a:solidFill>
+                  <a:srgbClr val="2E2E2E"/>
+                </a:solidFill>
+                <a:effectLst/>
+                <a:latin typeface="Arial" panose="020B0604020202020204" pitchFamily="34" charset="0"/>
+              </a:rPr>
+              <a:t> Q-learning </a:t>
+            </a:r>
+            <a:r>
+              <a:rPr lang="en-US" i="0" dirty="0" err="1">
+                <a:solidFill>
+                  <a:srgbClr val="2E2E2E"/>
+                </a:solidFill>
+                <a:effectLst/>
+                <a:latin typeface="Arial" panose="020B0604020202020204" pitchFamily="34" charset="0"/>
+              </a:rPr>
+              <a:t>sebagai</a:t>
+            </a:r>
+            <a:r>
+              <a:rPr lang="en-US" i="0" dirty="0">
+                <a:solidFill>
+                  <a:srgbClr val="2E2E2E"/>
+                </a:solidFill>
+                <a:effectLst/>
+                <a:latin typeface="Arial" panose="020B0604020202020204" pitchFamily="34" charset="0"/>
+              </a:rPr>
+              <a:t> </a:t>
+            </a:r>
+            <a:r>
+              <a:rPr lang="en-US" i="0" dirty="0" err="1">
+                <a:solidFill>
+                  <a:srgbClr val="2E2E2E"/>
+                </a:solidFill>
+                <a:effectLst/>
+                <a:latin typeface="Arial" panose="020B0604020202020204" pitchFamily="34" charset="0"/>
+              </a:rPr>
+              <a:t>metode</a:t>
+            </a:r>
+            <a:r>
+              <a:rPr lang="en-US" i="0" dirty="0">
+                <a:solidFill>
+                  <a:srgbClr val="2E2E2E"/>
+                </a:solidFill>
+                <a:effectLst/>
+                <a:latin typeface="Arial" panose="020B0604020202020204" pitchFamily="34" charset="0"/>
+              </a:rPr>
+              <a:t> clustering dan </a:t>
+            </a:r>
+            <a:r>
+              <a:rPr lang="en-US" i="0" dirty="0" err="1">
+                <a:solidFill>
+                  <a:srgbClr val="2E2E2E"/>
+                </a:solidFill>
+                <a:effectLst/>
+                <a:latin typeface="Arial" panose="020B0604020202020204" pitchFamily="34" charset="0"/>
+              </a:rPr>
+              <a:t>pemilihan</a:t>
+            </a:r>
+            <a:r>
+              <a:rPr lang="en-US" i="0" dirty="0">
+                <a:solidFill>
+                  <a:srgbClr val="2E2E2E"/>
+                </a:solidFill>
+                <a:effectLst/>
+                <a:latin typeface="Arial" panose="020B0604020202020204" pitchFamily="34" charset="0"/>
+              </a:rPr>
+              <a:t> CH </a:t>
+            </a:r>
+            <a:r>
+              <a:rPr lang="en-US" i="0" dirty="0" err="1">
+                <a:solidFill>
+                  <a:srgbClr val="2E2E2E"/>
+                </a:solidFill>
+                <a:effectLst/>
+                <a:latin typeface="Arial" panose="020B0604020202020204" pitchFamily="34" charset="0"/>
+              </a:rPr>
+              <a:t>dengan</a:t>
+            </a:r>
+            <a:r>
+              <a:rPr lang="en-US" i="0" dirty="0">
+                <a:solidFill>
+                  <a:srgbClr val="2E2E2E"/>
+                </a:solidFill>
+                <a:effectLst/>
+                <a:latin typeface="Arial" panose="020B0604020202020204" pitchFamily="34" charset="0"/>
+              </a:rPr>
+              <a:t> parameter energy, coverage </a:t>
+            </a:r>
+            <a:r>
+              <a:rPr lang="en-US" i="0" dirty="0" err="1">
+                <a:solidFill>
+                  <a:srgbClr val="2E2E2E"/>
+                </a:solidFill>
+                <a:effectLst/>
+                <a:latin typeface="Arial" panose="020B0604020202020204" pitchFamily="34" charset="0"/>
+              </a:rPr>
+              <a:t>serta</a:t>
+            </a:r>
+            <a:r>
+              <a:rPr lang="en-US" i="0" dirty="0">
+                <a:solidFill>
+                  <a:srgbClr val="2E2E2E"/>
+                </a:solidFill>
+                <a:effectLst/>
+                <a:latin typeface="Arial" panose="020B0604020202020204" pitchFamily="34" charset="0"/>
+              </a:rPr>
+              <a:t> </a:t>
+            </a:r>
+            <a:r>
+              <a:rPr lang="en-US" i="0" dirty="0" err="1">
+                <a:solidFill>
+                  <a:srgbClr val="2E2E2E"/>
+                </a:solidFill>
+                <a:effectLst/>
+                <a:latin typeface="Arial" panose="020B0604020202020204" pitchFamily="34" charset="0"/>
+              </a:rPr>
+              <a:t>jarak</a:t>
+            </a:r>
+            <a:r>
+              <a:rPr lang="en-US" i="0" dirty="0">
+                <a:solidFill>
+                  <a:srgbClr val="2E2E2E"/>
+                </a:solidFill>
+                <a:effectLst/>
+                <a:latin typeface="Arial" panose="020B0604020202020204" pitchFamily="34" charset="0"/>
+              </a:rPr>
+              <a:t> </a:t>
+            </a:r>
+            <a:r>
+              <a:rPr lang="en-US" i="0" dirty="0" err="1">
+                <a:solidFill>
+                  <a:srgbClr val="2E2E2E"/>
+                </a:solidFill>
+                <a:effectLst/>
+                <a:latin typeface="Arial" panose="020B0604020202020204" pitchFamily="34" charset="0"/>
+              </a:rPr>
+              <a:t>terhadap</a:t>
+            </a:r>
+            <a:r>
+              <a:rPr lang="en-US" i="0" dirty="0">
+                <a:solidFill>
+                  <a:srgbClr val="2E2E2E"/>
+                </a:solidFill>
+                <a:effectLst/>
+                <a:latin typeface="Arial" panose="020B0604020202020204" pitchFamily="34" charset="0"/>
+              </a:rPr>
+              <a:t> node lain, </a:t>
+            </a:r>
+            <a:r>
+              <a:rPr lang="en-US" i="0" dirty="0" err="1">
+                <a:solidFill>
+                  <a:srgbClr val="2E2E2E"/>
+                </a:solidFill>
+                <a:effectLst/>
+                <a:latin typeface="Arial" panose="020B0604020202020204" pitchFamily="34" charset="0"/>
+              </a:rPr>
+              <a:t>serta</a:t>
+            </a:r>
+            <a:r>
+              <a:rPr lang="en-US" i="0" dirty="0">
+                <a:solidFill>
+                  <a:srgbClr val="2E2E2E"/>
+                </a:solidFill>
+                <a:effectLst/>
+                <a:latin typeface="Arial" panose="020B0604020202020204" pitchFamily="34" charset="0"/>
+              </a:rPr>
+              <a:t> </a:t>
+            </a:r>
+            <a:r>
+              <a:rPr lang="en-US" i="0" dirty="0" err="1">
+                <a:solidFill>
+                  <a:srgbClr val="2E2E2E"/>
+                </a:solidFill>
+                <a:effectLst/>
+                <a:latin typeface="Arial" panose="020B0604020202020204" pitchFamily="34" charset="0"/>
+              </a:rPr>
+              <a:t>pemilihan</a:t>
+            </a:r>
+            <a:r>
+              <a:rPr lang="en-US" i="0" dirty="0">
+                <a:solidFill>
+                  <a:srgbClr val="2E2E2E"/>
+                </a:solidFill>
+                <a:effectLst/>
+                <a:latin typeface="Arial" panose="020B0604020202020204" pitchFamily="34" charset="0"/>
+              </a:rPr>
+              <a:t> route optimum </a:t>
+            </a:r>
+            <a:r>
+              <a:rPr lang="en-US" i="0" dirty="0" err="1">
+                <a:solidFill>
+                  <a:srgbClr val="2E2E2E"/>
+                </a:solidFill>
+                <a:effectLst/>
+                <a:latin typeface="Arial" panose="020B0604020202020204" pitchFamily="34" charset="0"/>
+              </a:rPr>
+              <a:t>dengan</a:t>
+            </a:r>
+            <a:r>
+              <a:rPr lang="en-US" i="0" dirty="0">
+                <a:solidFill>
+                  <a:srgbClr val="2E2E2E"/>
+                </a:solidFill>
+                <a:effectLst/>
+                <a:latin typeface="Arial" panose="020B0604020202020204" pitchFamily="34" charset="0"/>
+              </a:rPr>
+              <a:t> Q-Learning </a:t>
+            </a:r>
+            <a:r>
+              <a:rPr lang="en-US" i="0" dirty="0" err="1">
+                <a:solidFill>
+                  <a:srgbClr val="2E2E2E"/>
+                </a:solidFill>
+                <a:effectLst/>
+                <a:latin typeface="Arial" panose="020B0604020202020204" pitchFamily="34" charset="0"/>
+              </a:rPr>
+              <a:t>melalui</a:t>
+            </a:r>
+            <a:r>
+              <a:rPr lang="en-US" i="0" dirty="0">
+                <a:solidFill>
+                  <a:srgbClr val="2E2E2E"/>
+                </a:solidFill>
+                <a:effectLst/>
+                <a:latin typeface="Arial" panose="020B0604020202020204" pitchFamily="34" charset="0"/>
+              </a:rPr>
+              <a:t> Multi-hop communication </a:t>
+            </a:r>
+            <a:r>
+              <a:rPr lang="en-US" i="0" dirty="0" err="1">
+                <a:solidFill>
+                  <a:srgbClr val="2E2E2E"/>
+                </a:solidFill>
+                <a:effectLst/>
+                <a:latin typeface="Arial" panose="020B0604020202020204" pitchFamily="34" charset="0"/>
+              </a:rPr>
+              <a:t>antar</a:t>
+            </a:r>
+            <a:r>
+              <a:rPr lang="en-US" i="0" dirty="0">
+                <a:solidFill>
+                  <a:srgbClr val="2E2E2E"/>
+                </a:solidFill>
+                <a:effectLst/>
+                <a:latin typeface="Arial" panose="020B0604020202020204" pitchFamily="34" charset="0"/>
+              </a:rPr>
+              <a:t> CH </a:t>
+            </a:r>
+            <a:endParaRPr lang="en-ID" dirty="0"/>
+          </a:p>
+        </p:txBody>
+      </p:sp>
+      <p:pic>
+        <p:nvPicPr>
+          <p:cNvPr id="7" name="Picture 6">
+            <a:extLst>
+              <a:ext uri="{FF2B5EF4-FFF2-40B4-BE49-F238E27FC236}">
+                <a16:creationId xmlns:a16="http://schemas.microsoft.com/office/drawing/2014/main" id="{42C5FF94-80DA-3725-2A69-3B911ADB0337}"/>
+              </a:ext>
+            </a:extLst>
+          </p:cNvPr>
+          <p:cNvPicPr>
+            <a:picLocks noChangeAspect="1"/>
+          </p:cNvPicPr>
+          <p:nvPr/>
+        </p:nvPicPr>
+        <p:blipFill>
+          <a:blip r:embed="rId2"/>
+          <a:stretch>
+            <a:fillRect/>
+          </a:stretch>
+        </p:blipFill>
+        <p:spPr>
+          <a:xfrm>
+            <a:off x="1167492" y="1834064"/>
+            <a:ext cx="4636025" cy="2520557"/>
+          </a:xfrm>
+          <a:prstGeom prst="rect">
+            <a:avLst/>
+          </a:prstGeom>
+        </p:spPr>
+      </p:pic>
+      <p:pic>
+        <p:nvPicPr>
+          <p:cNvPr id="8" name="Picture 7">
+            <a:extLst>
+              <a:ext uri="{FF2B5EF4-FFF2-40B4-BE49-F238E27FC236}">
+                <a16:creationId xmlns:a16="http://schemas.microsoft.com/office/drawing/2014/main" id="{65263EB3-26CF-AD34-4909-88FF40AF586F}"/>
+              </a:ext>
+            </a:extLst>
+          </p:cNvPr>
+          <p:cNvPicPr>
+            <a:picLocks noChangeAspect="1"/>
+          </p:cNvPicPr>
+          <p:nvPr/>
+        </p:nvPicPr>
+        <p:blipFill>
+          <a:blip r:embed="rId3"/>
+          <a:stretch>
+            <a:fillRect/>
+          </a:stretch>
+        </p:blipFill>
+        <p:spPr>
+          <a:xfrm>
+            <a:off x="1053738" y="4354621"/>
+            <a:ext cx="2549146" cy="1881147"/>
+          </a:xfrm>
+          <a:prstGeom prst="rect">
+            <a:avLst/>
+          </a:prstGeom>
+        </p:spPr>
+      </p:pic>
+      <p:pic>
+        <p:nvPicPr>
+          <p:cNvPr id="9" name="Picture 8">
+            <a:extLst>
+              <a:ext uri="{FF2B5EF4-FFF2-40B4-BE49-F238E27FC236}">
+                <a16:creationId xmlns:a16="http://schemas.microsoft.com/office/drawing/2014/main" id="{E22BC8C2-6B84-94FB-4AF1-FB846786EF49}"/>
+              </a:ext>
+            </a:extLst>
+          </p:cNvPr>
+          <p:cNvPicPr>
+            <a:picLocks noChangeAspect="1"/>
+          </p:cNvPicPr>
+          <p:nvPr/>
+        </p:nvPicPr>
+        <p:blipFill>
+          <a:blip r:embed="rId4"/>
+          <a:stretch>
+            <a:fillRect/>
+          </a:stretch>
+        </p:blipFill>
+        <p:spPr>
+          <a:xfrm>
+            <a:off x="3716638" y="4300192"/>
+            <a:ext cx="2379362" cy="1681316"/>
+          </a:xfrm>
+          <a:prstGeom prst="rect">
+            <a:avLst/>
+          </a:prstGeom>
+        </p:spPr>
+      </p:pic>
+      <p:pic>
+        <p:nvPicPr>
+          <p:cNvPr id="10" name="Picture 9">
+            <a:extLst>
+              <a:ext uri="{FF2B5EF4-FFF2-40B4-BE49-F238E27FC236}">
+                <a16:creationId xmlns:a16="http://schemas.microsoft.com/office/drawing/2014/main" id="{0264AD2B-8228-71C3-D758-52F459F3D3D1}"/>
+              </a:ext>
+            </a:extLst>
+          </p:cNvPr>
+          <p:cNvPicPr>
+            <a:picLocks noChangeAspect="1"/>
+          </p:cNvPicPr>
+          <p:nvPr/>
+        </p:nvPicPr>
+        <p:blipFill>
+          <a:blip r:embed="rId5"/>
+          <a:stretch>
+            <a:fillRect/>
+          </a:stretch>
+        </p:blipFill>
+        <p:spPr>
+          <a:xfrm>
+            <a:off x="6096000" y="4354620"/>
+            <a:ext cx="2194248" cy="1626887"/>
+          </a:xfrm>
+          <a:prstGeom prst="rect">
+            <a:avLst/>
+          </a:prstGeom>
+        </p:spPr>
+      </p:pic>
     </p:spTree>
     <p:extLst>
       <p:ext uri="{BB962C8B-B14F-4D97-AF65-F5344CB8AC3E}">
-        <p14:creationId xmlns:p14="http://schemas.microsoft.com/office/powerpoint/2010/main" val="926184573"/>
+        <p14:creationId xmlns:p14="http://schemas.microsoft.com/office/powerpoint/2010/main" val="428262544"/>
+      </p:ext>
+    </p:extLst>
+  </p:cSld>
+  <p:clrMapOvr>
+    <a:masterClrMapping/>
+  </p:clrMapOvr>
+</p:sld>
+</file>
+
+<file path=ppt/slides/slide9.xml><?xml version="1.0" encoding="utf-8"?>
+<p:sld xmlns:a="http://schemas.openxmlformats.org/drawingml/2006/main" xmlns:r="http://schemas.openxmlformats.org/officeDocument/2006/relationships" xmlns:p="http://schemas.openxmlformats.org/presentationml/2006/main">
+  <p:cSld>
+    <p:spTree>
+      <p:nvGrpSpPr>
+        <p:cNvPr id="1" name=""/>
+        <p:cNvGrpSpPr/>
+        <p:nvPr/>
+      </p:nvGrpSpPr>
+      <p:grpSpPr>
+        <a:xfrm>
+          <a:off x="0" y="0"/>
+          <a:ext cx="0" cy="0"/>
+          <a:chOff x="0" y="0"/>
+          <a:chExt cx="0" cy="0"/>
+        </a:xfrm>
+      </p:grpSpPr>
+      <p:sp>
+        <p:nvSpPr>
+          <p:cNvPr id="2" name="Title 1">
+            <a:extLst>
+              <a:ext uri="{FF2B5EF4-FFF2-40B4-BE49-F238E27FC236}">
+                <a16:creationId xmlns:a16="http://schemas.microsoft.com/office/drawing/2014/main" id="{4580C1B7-B2EB-D6D3-0C6E-41154BE952FE}"/>
+              </a:ext>
+            </a:extLst>
+          </p:cNvPr>
+          <p:cNvSpPr>
+            <a:spLocks noGrp="1"/>
+          </p:cNvSpPr>
+          <p:nvPr>
+            <p:ph type="title"/>
+          </p:nvPr>
+        </p:nvSpPr>
+        <p:spPr/>
+        <p:txBody>
+          <a:bodyPr/>
+          <a:lstStyle/>
+          <a:p>
+            <a:r>
+              <a:rPr lang="en-US" dirty="0"/>
+              <a:t>TOPIC RESEARCH</a:t>
+            </a:r>
+            <a:endParaRPr lang="en-ID" dirty="0"/>
+          </a:p>
+        </p:txBody>
+      </p:sp>
+      <p:sp>
+        <p:nvSpPr>
+          <p:cNvPr id="3" name="Content Placeholder 2">
+            <a:extLst>
+              <a:ext uri="{FF2B5EF4-FFF2-40B4-BE49-F238E27FC236}">
+                <a16:creationId xmlns:a16="http://schemas.microsoft.com/office/drawing/2014/main" id="{3BCC4A5E-BDB9-9B74-8445-6D6C4D74F385}"/>
+              </a:ext>
+            </a:extLst>
+          </p:cNvPr>
+          <p:cNvSpPr>
+            <a:spLocks noGrp="1"/>
+          </p:cNvSpPr>
+          <p:nvPr>
+            <p:ph idx="1"/>
+          </p:nvPr>
+        </p:nvSpPr>
+        <p:spPr>
+          <a:xfrm>
+            <a:off x="1167493" y="2528204"/>
+            <a:ext cx="4663440" cy="1233900"/>
+          </a:xfrm>
+        </p:spPr>
+        <p:txBody>
+          <a:bodyPr/>
+          <a:lstStyle/>
+          <a:p>
+            <a:pPr algn="just"/>
+            <a:r>
+              <a:rPr lang="en-US" dirty="0" err="1"/>
+              <a:t>Optimisasi</a:t>
+            </a:r>
+            <a:r>
+              <a:rPr lang="en-US" dirty="0"/>
+              <a:t> </a:t>
+            </a:r>
+            <a:r>
+              <a:rPr lang="en-US" dirty="0" err="1"/>
+              <a:t>dari</a:t>
+            </a:r>
+            <a:r>
+              <a:rPr lang="en-US" dirty="0"/>
+              <a:t> </a:t>
+            </a:r>
+            <a:r>
+              <a:rPr lang="en-US" dirty="0" err="1"/>
+              <a:t>pemilihan</a:t>
+            </a:r>
+            <a:r>
+              <a:rPr lang="en-US" dirty="0"/>
+              <a:t> Cluster head </a:t>
+            </a:r>
+            <a:r>
+              <a:rPr lang="en-US" dirty="0" err="1"/>
+              <a:t>menggunakan</a:t>
+            </a:r>
+            <a:r>
+              <a:rPr lang="en-US" dirty="0"/>
+              <a:t> </a:t>
+            </a:r>
+            <a:r>
+              <a:rPr lang="en-US" dirty="0" err="1"/>
+              <a:t>dengan</a:t>
+            </a:r>
+            <a:r>
+              <a:rPr lang="en-US" dirty="0"/>
+              <a:t> </a:t>
+            </a:r>
+            <a:r>
+              <a:rPr lang="en-US" dirty="0" err="1"/>
+              <a:t>mempertimbangkan</a:t>
+            </a:r>
+            <a:r>
+              <a:rPr lang="en-US" dirty="0"/>
+              <a:t> parameter </a:t>
+            </a:r>
+            <a:r>
+              <a:rPr lang="en-US" dirty="0" err="1"/>
+              <a:t>jarak</a:t>
+            </a:r>
+            <a:r>
+              <a:rPr lang="en-US" dirty="0"/>
+              <a:t> node, energy</a:t>
+            </a:r>
+            <a:endParaRPr lang="en-ID" dirty="0"/>
+          </a:p>
+        </p:txBody>
+      </p:sp>
+      <p:sp>
+        <p:nvSpPr>
+          <p:cNvPr id="4" name="Date Placeholder 3">
+            <a:extLst>
+              <a:ext uri="{FF2B5EF4-FFF2-40B4-BE49-F238E27FC236}">
+                <a16:creationId xmlns:a16="http://schemas.microsoft.com/office/drawing/2014/main" id="{B844DD88-1618-2CE5-0C92-4120EBC31FD8}"/>
+              </a:ext>
+            </a:extLst>
+          </p:cNvPr>
+          <p:cNvSpPr>
+            <a:spLocks noGrp="1"/>
+          </p:cNvSpPr>
+          <p:nvPr>
+            <p:ph type="dt" sz="half" idx="2"/>
+          </p:nvPr>
+        </p:nvSpPr>
+        <p:spPr/>
+        <p:txBody>
+          <a:bodyPr/>
+          <a:lstStyle/>
+          <a:p>
+            <a:fld id="{C1583C39-01BF-7F43-854C-FBB4E9AB6B0C}" type="datetime1">
+              <a:rPr lang="en-US" smtClean="0"/>
+              <a:pPr/>
+              <a:t>11/20/2023</a:t>
+            </a:fld>
+            <a:endParaRPr lang="en-US" dirty="0"/>
+          </a:p>
+        </p:txBody>
+      </p:sp>
+      <p:sp>
+        <p:nvSpPr>
+          <p:cNvPr id="5" name="Footer Placeholder 4">
+            <a:extLst>
+              <a:ext uri="{FF2B5EF4-FFF2-40B4-BE49-F238E27FC236}">
+                <a16:creationId xmlns:a16="http://schemas.microsoft.com/office/drawing/2014/main" id="{BD707D72-B12D-9223-0F4E-487A6710C595}"/>
+              </a:ext>
+            </a:extLst>
+          </p:cNvPr>
+          <p:cNvSpPr>
+            <a:spLocks noGrp="1"/>
+          </p:cNvSpPr>
+          <p:nvPr>
+            <p:ph type="ftr" sz="quarter" idx="3"/>
+          </p:nvPr>
+        </p:nvSpPr>
+        <p:spPr/>
+        <p:txBody>
+          <a:bodyPr/>
+          <a:lstStyle/>
+          <a:p>
+            <a:r>
+              <a:rPr lang="en-US"/>
+              <a:t>PRESENTATION TITLE</a:t>
+            </a:r>
+            <a:endParaRPr lang="en-US" dirty="0"/>
+          </a:p>
+        </p:txBody>
+      </p:sp>
+      <p:sp>
+        <p:nvSpPr>
+          <p:cNvPr id="6" name="Slide Number Placeholder 5">
+            <a:extLst>
+              <a:ext uri="{FF2B5EF4-FFF2-40B4-BE49-F238E27FC236}">
+                <a16:creationId xmlns:a16="http://schemas.microsoft.com/office/drawing/2014/main" id="{4E3C3BB8-5A79-55BF-7D1E-4978223E1E8F}"/>
+              </a:ext>
+            </a:extLst>
+          </p:cNvPr>
+          <p:cNvSpPr>
+            <a:spLocks noGrp="1"/>
+          </p:cNvSpPr>
+          <p:nvPr>
+            <p:ph type="sldNum" sz="quarter" idx="4"/>
+          </p:nvPr>
+        </p:nvSpPr>
+        <p:spPr/>
+        <p:txBody>
+          <a:bodyPr/>
+          <a:lstStyle/>
+          <a:p>
+            <a:fld id="{294A09A9-5501-47C1-A89A-A340965A2BE2}" type="slidenum">
+              <a:rPr lang="en-US" smtClean="0"/>
+              <a:pPr/>
+              <a:t>9</a:t>
+            </a:fld>
+            <a:endParaRPr lang="en-US" dirty="0"/>
+          </a:p>
+        </p:txBody>
+      </p:sp>
+      <p:sp>
+        <p:nvSpPr>
+          <p:cNvPr id="7" name="Content Placeholder 6">
+            <a:extLst>
+              <a:ext uri="{FF2B5EF4-FFF2-40B4-BE49-F238E27FC236}">
+                <a16:creationId xmlns:a16="http://schemas.microsoft.com/office/drawing/2014/main" id="{8CE28FF8-5F27-58B1-2AD3-B33F8376180D}"/>
+              </a:ext>
+            </a:extLst>
+          </p:cNvPr>
+          <p:cNvSpPr>
+            <a:spLocks noGrp="1"/>
+          </p:cNvSpPr>
+          <p:nvPr>
+            <p:ph idx="10"/>
+          </p:nvPr>
+        </p:nvSpPr>
+        <p:spPr>
+          <a:xfrm>
+            <a:off x="1167492" y="4426672"/>
+            <a:ext cx="4663440" cy="900797"/>
+          </a:xfrm>
+        </p:spPr>
+        <p:txBody>
+          <a:bodyPr/>
+          <a:lstStyle/>
+          <a:p>
+            <a:pPr algn="just"/>
+            <a:r>
+              <a:rPr lang="en-US" dirty="0" err="1"/>
+              <a:t>Melakukan</a:t>
+            </a:r>
+            <a:r>
+              <a:rPr lang="en-US" dirty="0"/>
+              <a:t> </a:t>
+            </a:r>
+            <a:r>
+              <a:rPr lang="en-US" dirty="0" err="1"/>
+              <a:t>optimisasi</a:t>
+            </a:r>
+            <a:r>
+              <a:rPr lang="en-US" dirty="0"/>
+              <a:t> </a:t>
+            </a:r>
+            <a:r>
+              <a:rPr lang="en-US" dirty="0" err="1"/>
+              <a:t>dari</a:t>
+            </a:r>
+            <a:r>
+              <a:rPr lang="en-US" dirty="0"/>
+              <a:t> </a:t>
+            </a:r>
+            <a:r>
+              <a:rPr lang="en-US" dirty="0" err="1"/>
+              <a:t>pemilihan</a:t>
+            </a:r>
+            <a:r>
+              <a:rPr lang="en-US" dirty="0"/>
+              <a:t> </a:t>
+            </a:r>
+            <a:r>
+              <a:rPr lang="en-US" dirty="0" err="1"/>
+              <a:t>jalur</a:t>
+            </a:r>
+            <a:r>
+              <a:rPr lang="en-US" dirty="0"/>
+              <a:t> </a:t>
+            </a:r>
+            <a:r>
+              <a:rPr lang="en-US" dirty="0" err="1"/>
+              <a:t>antara</a:t>
+            </a:r>
+            <a:r>
+              <a:rPr lang="en-US" dirty="0"/>
+              <a:t> cluster head </a:t>
+            </a:r>
+            <a:r>
+              <a:rPr lang="en-US" dirty="0" err="1"/>
+              <a:t>serta</a:t>
+            </a:r>
+            <a:r>
+              <a:rPr lang="en-US" dirty="0"/>
+              <a:t> orphan/independent node </a:t>
+            </a:r>
+            <a:endParaRPr lang="en-ID" dirty="0"/>
+          </a:p>
+        </p:txBody>
+      </p:sp>
+      <p:sp>
+        <p:nvSpPr>
+          <p:cNvPr id="8" name="Content Placeholder 7">
+            <a:extLst>
+              <a:ext uri="{FF2B5EF4-FFF2-40B4-BE49-F238E27FC236}">
+                <a16:creationId xmlns:a16="http://schemas.microsoft.com/office/drawing/2014/main" id="{D29A6977-B5C1-9477-B5B2-BD688AC9E9CD}"/>
+              </a:ext>
+            </a:extLst>
+          </p:cNvPr>
+          <p:cNvSpPr>
+            <a:spLocks noGrp="1"/>
+          </p:cNvSpPr>
+          <p:nvPr>
+            <p:ph idx="11"/>
+          </p:nvPr>
+        </p:nvSpPr>
+        <p:spPr/>
+        <p:txBody>
+          <a:bodyPr/>
+          <a:lstStyle/>
+          <a:p>
+            <a:r>
+              <a:rPr lang="en-US" dirty="0"/>
+              <a:t>CLUSTERING AND CH SELECTION</a:t>
+            </a:r>
+            <a:endParaRPr lang="en-ID" dirty="0"/>
+          </a:p>
+        </p:txBody>
+      </p:sp>
+      <p:sp>
+        <p:nvSpPr>
+          <p:cNvPr id="9" name="Content Placeholder 8">
+            <a:extLst>
+              <a:ext uri="{FF2B5EF4-FFF2-40B4-BE49-F238E27FC236}">
+                <a16:creationId xmlns:a16="http://schemas.microsoft.com/office/drawing/2014/main" id="{4CAD127A-2411-C67A-7127-9005B7FFB086}"/>
+              </a:ext>
+            </a:extLst>
+          </p:cNvPr>
+          <p:cNvSpPr>
+            <a:spLocks noGrp="1"/>
+          </p:cNvSpPr>
+          <p:nvPr>
+            <p:ph idx="12"/>
+          </p:nvPr>
+        </p:nvSpPr>
+        <p:spPr>
+          <a:xfrm>
+            <a:off x="1167492" y="3904158"/>
+            <a:ext cx="4663440" cy="522514"/>
+          </a:xfrm>
+        </p:spPr>
+        <p:txBody>
+          <a:bodyPr/>
+          <a:lstStyle/>
+          <a:p>
+            <a:r>
+              <a:rPr lang="en-US" dirty="0"/>
+              <a:t>OPTIMUM PATH ROUTING</a:t>
+            </a:r>
+            <a:endParaRPr lang="en-ID" dirty="0"/>
+          </a:p>
+        </p:txBody>
+      </p:sp>
+      <p:pic>
+        <p:nvPicPr>
+          <p:cNvPr id="10" name="Picture 9">
+            <a:extLst>
+              <a:ext uri="{FF2B5EF4-FFF2-40B4-BE49-F238E27FC236}">
+                <a16:creationId xmlns:a16="http://schemas.microsoft.com/office/drawing/2014/main" id="{7FBEC0B1-972E-C13C-28CB-C58541B8B59E}"/>
+              </a:ext>
+            </a:extLst>
+          </p:cNvPr>
+          <p:cNvPicPr>
+            <a:picLocks noChangeAspect="1"/>
+          </p:cNvPicPr>
+          <p:nvPr/>
+        </p:nvPicPr>
+        <p:blipFill>
+          <a:blip r:embed="rId2"/>
+          <a:stretch>
+            <a:fillRect/>
+          </a:stretch>
+        </p:blipFill>
+        <p:spPr>
+          <a:xfrm>
+            <a:off x="6664970" y="1596028"/>
+            <a:ext cx="3988526" cy="2308130"/>
+          </a:xfrm>
+          <a:prstGeom prst="rect">
+            <a:avLst/>
+          </a:prstGeom>
+        </p:spPr>
+      </p:pic>
+      <p:pic>
+        <p:nvPicPr>
+          <p:cNvPr id="11" name="Picture 10">
+            <a:extLst>
+              <a:ext uri="{FF2B5EF4-FFF2-40B4-BE49-F238E27FC236}">
+                <a16:creationId xmlns:a16="http://schemas.microsoft.com/office/drawing/2014/main" id="{DB6C431F-5368-9E65-A6B4-30B86E115B3D}"/>
+              </a:ext>
+            </a:extLst>
+          </p:cNvPr>
+          <p:cNvPicPr>
+            <a:picLocks noChangeAspect="1"/>
+          </p:cNvPicPr>
+          <p:nvPr/>
+        </p:nvPicPr>
+        <p:blipFill>
+          <a:blip r:embed="rId3"/>
+          <a:stretch>
+            <a:fillRect/>
+          </a:stretch>
+        </p:blipFill>
+        <p:spPr>
+          <a:xfrm>
+            <a:off x="6664970" y="3978000"/>
+            <a:ext cx="3988526" cy="2308130"/>
+          </a:xfrm>
+          <a:prstGeom prst="rect">
+            <a:avLst/>
+          </a:prstGeom>
+        </p:spPr>
+      </p:pic>
+    </p:spTree>
+    <p:extLst>
+      <p:ext uri="{BB962C8B-B14F-4D97-AF65-F5344CB8AC3E}">
+        <p14:creationId xmlns:p14="http://schemas.microsoft.com/office/powerpoint/2010/main" val="430303515"/>
       </p:ext>
     </p:extLst>
   </p:cSld>
@@ -15280,34 +18209,6 @@
 </file>
 
 <file path=customXml/item1.xml><?xml version="1.0" encoding="utf-8"?>
-<p:properties xmlns:p="http://schemas.microsoft.com/office/2006/metadata/properties" xmlns:xsi="http://www.w3.org/2001/XMLSchema-instance" xmlns:pc="http://schemas.microsoft.com/office/infopath/2007/PartnerControls">
-  <documentManagement>
-    <_ip_UnifiedCompliancePolicyUIAction xmlns="http://schemas.microsoft.com/sharepoint/v3" xsi:nil="true"/>
-    <Image xmlns="71af3243-3dd4-4a8d-8c0d-dd76da1f02a5">
-      <Url xsi:nil="true"/>
-      <Description xsi:nil="true"/>
-    </Image>
-    <Status xmlns="71af3243-3dd4-4a8d-8c0d-dd76da1f02a5">Not started</Status>
-    <_ip_UnifiedCompliancePolicyProperties xmlns="http://schemas.microsoft.com/sharepoint/v3" xsi:nil="true"/>
-    <ImageTagsTaxHTField xmlns="71af3243-3dd4-4a8d-8c0d-dd76da1f02a5">
-      <Terms xmlns="http://schemas.microsoft.com/office/infopath/2007/PartnerControls"/>
-    </ImageTagsTaxHTField>
-    <TaxCatchAll xmlns="230e9df3-be65-4c73-a93b-d1236ebd677e"/>
-    <MediaServiceKeyPoints xmlns="71af3243-3dd4-4a8d-8c0d-dd76da1f02a5" xsi:nil="true"/>
-  </documentManagement>
-</p:properties>
-</file>
-
-<file path=customXml/item2.xml><?xml version="1.0" encoding="utf-8"?>
-<?mso-contentType ?>
-<FormTemplates xmlns="http://schemas.microsoft.com/sharepoint/v3/contenttype/forms">
-  <Display>DocumentLibraryForm</Display>
-  <Edit>DocumentLibraryForm</Edit>
-  <New>DocumentLibraryForm</New>
-</FormTemplates>
-</file>
-
-<file path=customXml/item3.xml><?xml version="1.0" encoding="utf-8"?>
 <ct:contentTypeSchema xmlns:ct="http://schemas.microsoft.com/office/2006/metadata/contentType" xmlns:ma="http://schemas.microsoft.com/office/2006/metadata/properties/metaAttributes" ct:_="" ma:_="" ma:contentTypeName="Document" ma:contentTypeID="0x01010079F111ED35F8CC479449609E8A0923A6" ma:contentTypeVersion="21" ma:contentTypeDescription="Create a new document." ma:contentTypeScope="" ma:versionID="64dfb1555687e0874b4304b796b5b0c7">
   <xsd:schema xmlns:xsd="http://www.w3.org/2001/XMLSchema" xmlns:xs="http://www.w3.org/2001/XMLSchema" xmlns:p="http://schemas.microsoft.com/office/2006/metadata/properties" xmlns:ns1="http://schemas.microsoft.com/sharepoint/v3" xmlns:ns2="71af3243-3dd4-4a8d-8c0d-dd76da1f02a5" xmlns:ns3="16c05727-aa75-4e4a-9b5f-8a80a1165891" xmlns:ns4="230e9df3-be65-4c73-a93b-d1236ebd677e" targetNamespace="http://schemas.microsoft.com/office/2006/metadata/properties" ma:root="true" ma:fieldsID="e6e4c555b5e194d05b7203de9c4567b3" ns1:_="" ns2:_="" ns3:_="" ns4:_="">
     <xsd:import namespace="http://schemas.microsoft.com/sharepoint/v3"/>
@@ -15589,27 +18490,35 @@
 </ct:contentTypeSchema>
 </file>
 
-<file path=customXml/itemProps1.xml><?xml version="1.0" encoding="utf-8"?>
-<ds:datastoreItem xmlns:ds="http://schemas.openxmlformats.org/officeDocument/2006/customXml" ds:itemID="{4D5BAB77-79E1-4739-AA51-10C9079186D6}">
-  <ds:schemaRefs>
-    <ds:schemaRef ds:uri="http://schemas.microsoft.com/office/2006/metadata/properties"/>
-    <ds:schemaRef ds:uri="http://schemas.microsoft.com/office/infopath/2007/PartnerControls"/>
-    <ds:schemaRef ds:uri="http://schemas.microsoft.com/sharepoint/v3"/>
-    <ds:schemaRef ds:uri="71af3243-3dd4-4a8d-8c0d-dd76da1f02a5"/>
-    <ds:schemaRef ds:uri="230e9df3-be65-4c73-a93b-d1236ebd677e"/>
-  </ds:schemaRefs>
-</ds:datastoreItem>
+<file path=customXml/item2.xml><?xml version="1.0" encoding="utf-8"?>
+<?mso-contentType ?>
+<FormTemplates xmlns="http://schemas.microsoft.com/sharepoint/v3/contenttype/forms">
+  <Display>DocumentLibraryForm</Display>
+  <Edit>DocumentLibraryForm</Edit>
+  <New>DocumentLibraryForm</New>
+</FormTemplates>
 </file>
 
-<file path=customXml/itemProps2.xml><?xml version="1.0" encoding="utf-8"?>
-<ds:datastoreItem xmlns:ds="http://schemas.openxmlformats.org/officeDocument/2006/customXml" ds:itemID="{85334180-0405-413B-834A-44FA9E05ADB7}">
-  <ds:schemaRefs>
-    <ds:schemaRef ds:uri="http://schemas.microsoft.com/sharepoint/v3/contenttype/forms"/>
-  </ds:schemaRefs>
-</ds:datastoreItem>
+<file path=customXml/item3.xml><?xml version="1.0" encoding="utf-8"?>
+<p:properties xmlns:p="http://schemas.microsoft.com/office/2006/metadata/properties" xmlns:xsi="http://www.w3.org/2001/XMLSchema-instance" xmlns:pc="http://schemas.microsoft.com/office/infopath/2007/PartnerControls">
+  <documentManagement>
+    <_ip_UnifiedCompliancePolicyUIAction xmlns="http://schemas.microsoft.com/sharepoint/v3" xsi:nil="true"/>
+    <Image xmlns="71af3243-3dd4-4a8d-8c0d-dd76da1f02a5">
+      <Url xsi:nil="true"/>
+      <Description xsi:nil="true"/>
+    </Image>
+    <Status xmlns="71af3243-3dd4-4a8d-8c0d-dd76da1f02a5">Not started</Status>
+    <_ip_UnifiedCompliancePolicyProperties xmlns="http://schemas.microsoft.com/sharepoint/v3" xsi:nil="true"/>
+    <ImageTagsTaxHTField xmlns="71af3243-3dd4-4a8d-8c0d-dd76da1f02a5">
+      <Terms xmlns="http://schemas.microsoft.com/office/infopath/2007/PartnerControls"/>
+    </ImageTagsTaxHTField>
+    <TaxCatchAll xmlns="230e9df3-be65-4c73-a93b-d1236ebd677e"/>
+    <MediaServiceKeyPoints xmlns="71af3243-3dd4-4a8d-8c0d-dd76da1f02a5" xsi:nil="true"/>
+  </documentManagement>
+</p:properties>
 </file>
 
-<file path=customXml/itemProps3.xml><?xml version="1.0" encoding="utf-8"?>
+<file path=customXml/itemProps1.xml><?xml version="1.0" encoding="utf-8"?>
 <ds:datastoreItem xmlns:ds="http://schemas.openxmlformats.org/officeDocument/2006/customXml" ds:itemID="{4A615295-94F6-4CE2-A1B1-6B7E1DAA5AD6}">
   <ds:schemaRefs>
     <ds:schemaRef ds:uri="http://schemas.microsoft.com/office/2006/metadata/contentType"/>
@@ -15630,6 +18539,26 @@
 </ds:datastoreItem>
 </file>
 
+<file path=customXml/itemProps2.xml><?xml version="1.0" encoding="utf-8"?>
+<ds:datastoreItem xmlns:ds="http://schemas.openxmlformats.org/officeDocument/2006/customXml" ds:itemID="{85334180-0405-413B-834A-44FA9E05ADB7}">
+  <ds:schemaRefs>
+    <ds:schemaRef ds:uri="http://schemas.microsoft.com/sharepoint/v3/contenttype/forms"/>
+  </ds:schemaRefs>
+</ds:datastoreItem>
+</file>
+
+<file path=customXml/itemProps3.xml><?xml version="1.0" encoding="utf-8"?>
+<ds:datastoreItem xmlns:ds="http://schemas.openxmlformats.org/officeDocument/2006/customXml" ds:itemID="{4D5BAB77-79E1-4739-AA51-10C9079186D6}">
+  <ds:schemaRefs>
+    <ds:schemaRef ds:uri="http://schemas.microsoft.com/office/2006/metadata/properties"/>
+    <ds:schemaRef ds:uri="http://schemas.microsoft.com/office/infopath/2007/PartnerControls"/>
+    <ds:schemaRef ds:uri="http://schemas.microsoft.com/sharepoint/v3"/>
+    <ds:schemaRef ds:uri="71af3243-3dd4-4a8d-8c0d-dd76da1f02a5"/>
+    <ds:schemaRef ds:uri="230e9df3-be65-4c73-a93b-d1236ebd677e"/>
+  </ds:schemaRefs>
+</ds:datastoreItem>
+</file>
+
 <file path=docMetadata/LabelInfo.xml><?xml version="1.0" encoding="utf-8"?>
 <clbl:labelList xmlns:clbl="http://schemas.microsoft.com/office/2020/mipLabelMetadata">
   <clbl:label id="{f42aa342-8706-4288-bd11-ebb85995028c}" enabled="1" method="Standard" siteId="{72f988bf-86f1-41af-91ab-2d7cd011db47}" removed="0"/>
